--- a/doc/test/AgendaSlidesVisualWithSlideNumberDefault.pptx
+++ b/doc/test/AgendaSlidesVisualWithSlideNumberDefault.pptx
@@ -39,7 +39,7 @@
     <p:sldId id="314" r:id="rId30"/>
     <p:sldId id="331" r:id="rId31"/>
     <p:sldId id="328" r:id="rId32"/>
-    <p:sldId id="332" r:id="rId33"/>
+    <p:sldId id="334" r:id="rId33"/>
   </p:sldIdLst>
   <p:sldSz cx="9144000" cy="6858000" type="screen4x3"/>
   <p:notesSz cx="6858000" cy="9144000"/>
@@ -192,7 +192,7 @@
             <p14:sldId id="314"/>
             <p14:sldId id="331"/>
             <p14:sldId id="328"/>
-            <p14:sldId id="332"/>
+            <p14:sldId id="334"/>
           </p14:sldIdLst>
         </p14:section>
       </p14:sectionLst>
@@ -297,7 +297,7 @@
           <a:p>
             <a:fld id="{DBF25E5A-1DA2-4ED0-9993-2B21AFA3822E}" type="datetimeFigureOut">
               <a:rPr lang="en-SG" smtClean="0"/>
-              <a:t>26/1/2016</a:t>
+              <a:t>23/1/2017</a:t>
             </a:fld>
             <a:endParaRPr lang="en-SG"/>
           </a:p>
@@ -361,35 +361,35 @@
           <a:p>
             <a:pPr lvl="0"/>
             <a:r>
-              <a:rPr lang="en-US" smtClean="0"/>
+              <a:rPr lang="en-US"/>
               <a:t>Click to edit Master text styles</a:t>
             </a:r>
           </a:p>
           <a:p>
             <a:pPr lvl="1"/>
             <a:r>
-              <a:rPr lang="en-US" smtClean="0"/>
+              <a:rPr lang="en-US"/>
               <a:t>Second level</a:t>
             </a:r>
           </a:p>
           <a:p>
             <a:pPr lvl="2"/>
             <a:r>
-              <a:rPr lang="en-US" smtClean="0"/>
+              <a:rPr lang="en-US"/>
               <a:t>Third level</a:t>
             </a:r>
           </a:p>
           <a:p>
             <a:pPr lvl="3"/>
             <a:r>
-              <a:rPr lang="en-US" smtClean="0"/>
+              <a:rPr lang="en-US"/>
               <a:t>Fourth level</a:t>
             </a:r>
           </a:p>
           <a:p>
             <a:pPr lvl="4"/>
             <a:r>
-              <a:rPr lang="en-US" smtClean="0"/>
+              <a:rPr lang="en-US"/>
               <a:t>Fifth level</a:t>
             </a:r>
             <a:endParaRPr lang="en-SG"/>
@@ -610,10 +610,9 @@
           <a:lstStyle/>
           <a:p>
             <a:r>
-              <a:rPr lang="en-SG" smtClean="0"/>
+              <a:rPr lang="en-SG"/>
               <a:t>This notes page is used to store data - Do not edit the notes. UFBUVGVtcGxhdGVNYXJrZXI=@VGl0bGUgMQ==@UHB0TGFic0FnZW5kYV8mXkBWaXN1YWxBZ2VuZGFJbWFnZV8mXkBPbmUgU2xpZGVfMg==@UHB0TGFic0FnZW5kYV8mXkBWaXN1YWxBZ2VuZGFJbWFnZV8mXkBUd28gU2xpZGVzXzM=@UHB0TGFic0FnZW5kYV8mXkBWaXN1YWxBZ2VuZGFJbWFnZV8mXkBTYW1lIE5hbWVfNA==@UHB0TGFic0FnZW5kYV8mXkBWaXN1YWxBZ2VuZGFJbWFnZV8mXkBTYW1lIE5hbWVfNQ==@UHB0TGFic0FnZW5kYV8mXkBWaXN1YWxBZ2VuZGFJbWFnZV8mXkDjgYLjgYTjgYbjgYjjgYprbCkoKiYlJCNAODV2XyspMF9AIyVMOkNGXTFfNg==@2871121657</a:t>
             </a:r>
-            <a:endParaRPr lang="en-SG"/>
           </a:p>
         </p:txBody>
       </p:sp>
@@ -775,10 +774,9 @@
           <a:lstStyle/>
           <a:p>
             <a:r>
-              <a:rPr lang="en-US" smtClean="0"/>
+              <a:rPr lang="en-US"/>
               <a:t>Click to edit Master title style</a:t>
             </a:r>
-            <a:endParaRPr lang="en-US"/>
           </a:p>
         </p:txBody>
       </p:sp>
@@ -894,10 +892,9 @@
           </a:lstStyle>
           <a:p>
             <a:r>
-              <a:rPr lang="en-US" smtClean="0"/>
+              <a:rPr lang="en-US"/>
               <a:t>Click to edit Master subtitle style</a:t>
             </a:r>
-            <a:endParaRPr lang="en-US"/>
           </a:p>
         </p:txBody>
       </p:sp>
@@ -918,7 +915,7 @@
           <a:p>
             <a:fld id="{E48C683D-3395-46D3-BF9E-903A3AF3FF2D}" type="datetime1">
               <a:rPr lang="en-US" smtClean="0"/>
-              <a:t>1/26/2016</a:t>
+              <a:t>1/23/2017</a:t>
             </a:fld>
             <a:endParaRPr lang="en-US"/>
           </a:p>
@@ -1012,10 +1009,9 @@
           <a:lstStyle/>
           <a:p>
             <a:r>
-              <a:rPr lang="en-US" smtClean="0"/>
+              <a:rPr lang="en-US"/>
               <a:t>Click to edit Master title style</a:t>
             </a:r>
-            <a:endParaRPr lang="en-US"/>
           </a:p>
         </p:txBody>
       </p:sp>
@@ -1036,38 +1032,37 @@
           <a:p>
             <a:pPr lvl="0"/>
             <a:r>
-              <a:rPr lang="en-US" smtClean="0"/>
+              <a:rPr lang="en-US"/>
               <a:t>Click to edit Master text styles</a:t>
             </a:r>
           </a:p>
           <a:p>
             <a:pPr lvl="1"/>
             <a:r>
-              <a:rPr lang="en-US" smtClean="0"/>
+              <a:rPr lang="en-US"/>
               <a:t>Second level</a:t>
             </a:r>
           </a:p>
           <a:p>
             <a:pPr lvl="2"/>
             <a:r>
-              <a:rPr lang="en-US" smtClean="0"/>
+              <a:rPr lang="en-US"/>
               <a:t>Third level</a:t>
             </a:r>
           </a:p>
           <a:p>
             <a:pPr lvl="3"/>
             <a:r>
-              <a:rPr lang="en-US" smtClean="0"/>
+              <a:rPr lang="en-US"/>
               <a:t>Fourth level</a:t>
             </a:r>
           </a:p>
           <a:p>
             <a:pPr lvl="4"/>
             <a:r>
-              <a:rPr lang="en-US" smtClean="0"/>
+              <a:rPr lang="en-US"/>
               <a:t>Fifth level</a:t>
             </a:r>
-            <a:endParaRPr lang="en-US"/>
           </a:p>
         </p:txBody>
       </p:sp>
@@ -1088,7 +1083,7 @@
           <a:p>
             <a:fld id="{74821124-6C44-4AB3-B69D-ECA5CA5FA42B}" type="datetime1">
               <a:rPr lang="en-US" smtClean="0"/>
-              <a:t>1/26/2016</a:t>
+              <a:t>1/23/2017</a:t>
             </a:fld>
             <a:endParaRPr lang="en-US"/>
           </a:p>
@@ -1187,10 +1182,9 @@
           <a:lstStyle/>
           <a:p>
             <a:r>
-              <a:rPr lang="en-US" smtClean="0"/>
+              <a:rPr lang="en-US"/>
               <a:t>Click to edit Master title style</a:t>
             </a:r>
-            <a:endParaRPr lang="en-US"/>
           </a:p>
         </p:txBody>
       </p:sp>
@@ -1216,38 +1210,37 @@
           <a:p>
             <a:pPr lvl="0"/>
             <a:r>
-              <a:rPr lang="en-US" smtClean="0"/>
+              <a:rPr lang="en-US"/>
               <a:t>Click to edit Master text styles</a:t>
             </a:r>
           </a:p>
           <a:p>
             <a:pPr lvl="1"/>
             <a:r>
-              <a:rPr lang="en-US" smtClean="0"/>
+              <a:rPr lang="en-US"/>
               <a:t>Second level</a:t>
             </a:r>
           </a:p>
           <a:p>
             <a:pPr lvl="2"/>
             <a:r>
-              <a:rPr lang="en-US" smtClean="0"/>
+              <a:rPr lang="en-US"/>
               <a:t>Third level</a:t>
             </a:r>
           </a:p>
           <a:p>
             <a:pPr lvl="3"/>
             <a:r>
-              <a:rPr lang="en-US" smtClean="0"/>
+              <a:rPr lang="en-US"/>
               <a:t>Fourth level</a:t>
             </a:r>
           </a:p>
           <a:p>
             <a:pPr lvl="4"/>
             <a:r>
-              <a:rPr lang="en-US" smtClean="0"/>
+              <a:rPr lang="en-US"/>
               <a:t>Fifth level</a:t>
             </a:r>
-            <a:endParaRPr lang="en-US"/>
           </a:p>
         </p:txBody>
       </p:sp>
@@ -1268,7 +1261,7 @@
           <a:p>
             <a:fld id="{88F0F44A-2702-406D-B711-F1B627E409B2}" type="datetime1">
               <a:rPr lang="en-US" smtClean="0"/>
-              <a:t>1/26/2016</a:t>
+              <a:t>1/23/2017</a:t>
             </a:fld>
             <a:endParaRPr lang="en-US"/>
           </a:p>
@@ -1367,10 +1360,9 @@
           <a:lstStyle/>
           <a:p>
             <a:r>
-              <a:rPr lang="en-US" smtClean="0"/>
+              <a:rPr lang="en-US"/>
               <a:t>Click to edit Master title style</a:t>
             </a:r>
-            <a:endParaRPr lang="en-US"/>
           </a:p>
         </p:txBody>
       </p:sp>
@@ -1486,10 +1478,9 @@
           </a:lstStyle>
           <a:p>
             <a:r>
-              <a:rPr lang="en-US" smtClean="0"/>
+              <a:rPr lang="en-US"/>
               <a:t>Click to edit Master subtitle style</a:t>
             </a:r>
-            <a:endParaRPr lang="en-US"/>
           </a:p>
         </p:txBody>
       </p:sp>
@@ -1510,7 +1501,7 @@
           <a:p>
             <a:fld id="{F52725C5-6827-4E2D-9543-1539AA3954B8}" type="datetime1">
               <a:rPr lang="en-US" smtClean="0"/>
-              <a:t>1/26/2016</a:t>
+              <a:t>1/23/2017</a:t>
             </a:fld>
             <a:endParaRPr lang="en-US"/>
           </a:p>
@@ -1604,10 +1595,9 @@
           <a:lstStyle/>
           <a:p>
             <a:r>
-              <a:rPr lang="en-US" smtClean="0"/>
+              <a:rPr lang="en-US"/>
               <a:t>Click to edit Master title style</a:t>
             </a:r>
-            <a:endParaRPr lang="en-US"/>
           </a:p>
         </p:txBody>
       </p:sp>
@@ -1628,38 +1618,37 @@
           <a:p>
             <a:pPr lvl="0"/>
             <a:r>
-              <a:rPr lang="en-US" smtClean="0"/>
+              <a:rPr lang="en-US"/>
               <a:t>Click to edit Master text styles</a:t>
             </a:r>
           </a:p>
           <a:p>
             <a:pPr lvl="1"/>
             <a:r>
-              <a:rPr lang="en-US" smtClean="0"/>
+              <a:rPr lang="en-US"/>
               <a:t>Second level</a:t>
             </a:r>
           </a:p>
           <a:p>
             <a:pPr lvl="2"/>
             <a:r>
-              <a:rPr lang="en-US" smtClean="0"/>
+              <a:rPr lang="en-US"/>
               <a:t>Third level</a:t>
             </a:r>
           </a:p>
           <a:p>
             <a:pPr lvl="3"/>
             <a:r>
-              <a:rPr lang="en-US" smtClean="0"/>
+              <a:rPr lang="en-US"/>
               <a:t>Fourth level</a:t>
             </a:r>
           </a:p>
           <a:p>
             <a:pPr lvl="4"/>
             <a:r>
-              <a:rPr lang="en-US" smtClean="0"/>
+              <a:rPr lang="en-US"/>
               <a:t>Fifth level</a:t>
             </a:r>
-            <a:endParaRPr lang="en-US"/>
           </a:p>
         </p:txBody>
       </p:sp>
@@ -1680,7 +1669,7 @@
           <a:p>
             <a:fld id="{84C3D210-5214-43E7-8E4B-0BD91EAD03A4}" type="datetime1">
               <a:rPr lang="en-US" smtClean="0"/>
-              <a:t>1/26/2016</a:t>
+              <a:t>1/23/2017</a:t>
             </a:fld>
             <a:endParaRPr lang="en-US"/>
           </a:p>
@@ -1783,10 +1772,9 @@
           </a:lstStyle>
           <a:p>
             <a:r>
-              <a:rPr lang="en-US" smtClean="0"/>
+              <a:rPr lang="en-US"/>
               <a:t>Click to edit Master title style</a:t>
             </a:r>
-            <a:endParaRPr lang="en-US"/>
           </a:p>
         </p:txBody>
       </p:sp>
@@ -1903,7 +1891,7 @@
           <a:p>
             <a:pPr lvl="0"/>
             <a:r>
-              <a:rPr lang="en-US" smtClean="0"/>
+              <a:rPr lang="en-US"/>
               <a:t>Click to edit Master text styles</a:t>
             </a:r>
           </a:p>
@@ -1926,7 +1914,7 @@
           <a:p>
             <a:fld id="{CABE04C8-2FA4-426D-90FA-3147AA463E81}" type="datetime1">
               <a:rPr lang="en-US" smtClean="0"/>
-              <a:t>1/26/2016</a:t>
+              <a:t>1/23/2017</a:t>
             </a:fld>
             <a:endParaRPr lang="en-US"/>
           </a:p>
@@ -2020,10 +2008,9 @@
           <a:lstStyle/>
           <a:p>
             <a:r>
-              <a:rPr lang="en-US" smtClean="0"/>
+              <a:rPr lang="en-US"/>
               <a:t>Click to edit Master title style</a:t>
             </a:r>
-            <a:endParaRPr lang="en-US"/>
           </a:p>
         </p:txBody>
       </p:sp>
@@ -2077,38 +2064,37 @@
           <a:p>
             <a:pPr lvl="0"/>
             <a:r>
-              <a:rPr lang="en-US" smtClean="0"/>
+              <a:rPr lang="en-US"/>
               <a:t>Click to edit Master text styles</a:t>
             </a:r>
           </a:p>
           <a:p>
             <a:pPr lvl="1"/>
             <a:r>
-              <a:rPr lang="en-US" smtClean="0"/>
+              <a:rPr lang="en-US"/>
               <a:t>Second level</a:t>
             </a:r>
           </a:p>
           <a:p>
             <a:pPr lvl="2"/>
             <a:r>
-              <a:rPr lang="en-US" smtClean="0"/>
+              <a:rPr lang="en-US"/>
               <a:t>Third level</a:t>
             </a:r>
           </a:p>
           <a:p>
             <a:pPr lvl="3"/>
             <a:r>
-              <a:rPr lang="en-US" smtClean="0"/>
+              <a:rPr lang="en-US"/>
               <a:t>Fourth level</a:t>
             </a:r>
           </a:p>
           <a:p>
             <a:pPr lvl="4"/>
             <a:r>
-              <a:rPr lang="en-US" smtClean="0"/>
+              <a:rPr lang="en-US"/>
               <a:t>Fifth level</a:t>
             </a:r>
-            <a:endParaRPr lang="en-US"/>
           </a:p>
         </p:txBody>
       </p:sp>
@@ -2162,38 +2148,37 @@
           <a:p>
             <a:pPr lvl="0"/>
             <a:r>
-              <a:rPr lang="en-US" smtClean="0"/>
+              <a:rPr lang="en-US"/>
               <a:t>Click to edit Master text styles</a:t>
             </a:r>
           </a:p>
           <a:p>
             <a:pPr lvl="1"/>
             <a:r>
-              <a:rPr lang="en-US" smtClean="0"/>
+              <a:rPr lang="en-US"/>
               <a:t>Second level</a:t>
             </a:r>
           </a:p>
           <a:p>
             <a:pPr lvl="2"/>
             <a:r>
-              <a:rPr lang="en-US" smtClean="0"/>
+              <a:rPr lang="en-US"/>
               <a:t>Third level</a:t>
             </a:r>
           </a:p>
           <a:p>
             <a:pPr lvl="3"/>
             <a:r>
-              <a:rPr lang="en-US" smtClean="0"/>
+              <a:rPr lang="en-US"/>
               <a:t>Fourth level</a:t>
             </a:r>
           </a:p>
           <a:p>
             <a:pPr lvl="4"/>
             <a:r>
-              <a:rPr lang="en-US" smtClean="0"/>
+              <a:rPr lang="en-US"/>
               <a:t>Fifth level</a:t>
             </a:r>
-            <a:endParaRPr lang="en-US"/>
           </a:p>
         </p:txBody>
       </p:sp>
@@ -2214,7 +2199,7 @@
           <a:p>
             <a:fld id="{16C6764C-CF34-401D-86AA-8E9442BA2BC5}" type="datetime1">
               <a:rPr lang="en-US" smtClean="0"/>
-              <a:t>1/26/2016</a:t>
+              <a:t>1/23/2017</a:t>
             </a:fld>
             <a:endParaRPr lang="en-US"/>
           </a:p>
@@ -2312,10 +2297,9 @@
           </a:lstStyle>
           <a:p>
             <a:r>
-              <a:rPr lang="en-US" smtClean="0"/>
+              <a:rPr lang="en-US"/>
               <a:t>Click to edit Master title style</a:t>
             </a:r>
-            <a:endParaRPr lang="en-US"/>
           </a:p>
         </p:txBody>
       </p:sp>
@@ -2378,7 +2362,7 @@
           <a:p>
             <a:pPr lvl="0"/>
             <a:r>
-              <a:rPr lang="en-US" smtClean="0"/>
+              <a:rPr lang="en-US"/>
               <a:t>Click to edit Master text styles</a:t>
             </a:r>
           </a:p>
@@ -2434,38 +2418,37 @@
           <a:p>
             <a:pPr lvl="0"/>
             <a:r>
-              <a:rPr lang="en-US" smtClean="0"/>
+              <a:rPr lang="en-US"/>
               <a:t>Click to edit Master text styles</a:t>
             </a:r>
           </a:p>
           <a:p>
             <a:pPr lvl="1"/>
             <a:r>
-              <a:rPr lang="en-US" smtClean="0"/>
+              <a:rPr lang="en-US"/>
               <a:t>Second level</a:t>
             </a:r>
           </a:p>
           <a:p>
             <a:pPr lvl="2"/>
             <a:r>
-              <a:rPr lang="en-US" smtClean="0"/>
+              <a:rPr lang="en-US"/>
               <a:t>Third level</a:t>
             </a:r>
           </a:p>
           <a:p>
             <a:pPr lvl="3"/>
             <a:r>
-              <a:rPr lang="en-US" smtClean="0"/>
+              <a:rPr lang="en-US"/>
               <a:t>Fourth level</a:t>
             </a:r>
           </a:p>
           <a:p>
             <a:pPr lvl="4"/>
             <a:r>
-              <a:rPr lang="en-US" smtClean="0"/>
+              <a:rPr lang="en-US"/>
               <a:t>Fifth level</a:t>
             </a:r>
-            <a:endParaRPr lang="en-US"/>
           </a:p>
         </p:txBody>
       </p:sp>
@@ -2528,7 +2511,7 @@
           <a:p>
             <a:pPr lvl="0"/>
             <a:r>
-              <a:rPr lang="en-US" smtClean="0"/>
+              <a:rPr lang="en-US"/>
               <a:t>Click to edit Master text styles</a:t>
             </a:r>
           </a:p>
@@ -2584,38 +2567,37 @@
           <a:p>
             <a:pPr lvl="0"/>
             <a:r>
-              <a:rPr lang="en-US" smtClean="0"/>
+              <a:rPr lang="en-US"/>
               <a:t>Click to edit Master text styles</a:t>
             </a:r>
           </a:p>
           <a:p>
             <a:pPr lvl="1"/>
             <a:r>
-              <a:rPr lang="en-US" smtClean="0"/>
+              <a:rPr lang="en-US"/>
               <a:t>Second level</a:t>
             </a:r>
           </a:p>
           <a:p>
             <a:pPr lvl="2"/>
             <a:r>
-              <a:rPr lang="en-US" smtClean="0"/>
+              <a:rPr lang="en-US"/>
               <a:t>Third level</a:t>
             </a:r>
           </a:p>
           <a:p>
             <a:pPr lvl="3"/>
             <a:r>
-              <a:rPr lang="en-US" smtClean="0"/>
+              <a:rPr lang="en-US"/>
               <a:t>Fourth level</a:t>
             </a:r>
           </a:p>
           <a:p>
             <a:pPr lvl="4"/>
             <a:r>
-              <a:rPr lang="en-US" smtClean="0"/>
+              <a:rPr lang="en-US"/>
               <a:t>Fifth level</a:t>
             </a:r>
-            <a:endParaRPr lang="en-US"/>
           </a:p>
         </p:txBody>
       </p:sp>
@@ -2636,7 +2618,7 @@
           <a:p>
             <a:fld id="{7A6304A5-3728-4433-A75D-59FC32371DB6}" type="datetime1">
               <a:rPr lang="en-US" smtClean="0"/>
-              <a:t>1/26/2016</a:t>
+              <a:t>1/23/2017</a:t>
             </a:fld>
             <a:endParaRPr lang="en-US"/>
           </a:p>
@@ -2730,10 +2712,9 @@
           <a:lstStyle/>
           <a:p>
             <a:r>
-              <a:rPr lang="en-US" smtClean="0"/>
+              <a:rPr lang="en-US"/>
               <a:t>Click to edit Master title style</a:t>
             </a:r>
-            <a:endParaRPr lang="en-US"/>
           </a:p>
         </p:txBody>
       </p:sp>
@@ -2754,7 +2735,7 @@
           <a:p>
             <a:fld id="{ECEC8789-70ED-426B-B532-587D6FE3BE94}" type="datetime1">
               <a:rPr lang="en-US" smtClean="0"/>
-              <a:t>1/26/2016</a:t>
+              <a:t>1/23/2017</a:t>
             </a:fld>
             <a:endParaRPr lang="en-US"/>
           </a:p>
@@ -2849,7 +2830,7 @@
           <a:p>
             <a:fld id="{8BC900E6-7C7F-42EC-9A9D-A635DE0275A7}" type="datetime1">
               <a:rPr lang="en-US" smtClean="0"/>
-              <a:t>1/26/2016</a:t>
+              <a:t>1/23/2017</a:t>
             </a:fld>
             <a:endParaRPr lang="en-US"/>
           </a:p>
@@ -2952,10 +2933,9 @@
           </a:lstStyle>
           <a:p>
             <a:r>
-              <a:rPr lang="en-US" smtClean="0"/>
+              <a:rPr lang="en-US"/>
               <a:t>Click to edit Master title style</a:t>
             </a:r>
-            <a:endParaRPr lang="en-US"/>
           </a:p>
         </p:txBody>
       </p:sp>
@@ -3009,38 +2989,37 @@
           <a:p>
             <a:pPr lvl="0"/>
             <a:r>
-              <a:rPr lang="en-US" smtClean="0"/>
+              <a:rPr lang="en-US"/>
               <a:t>Click to edit Master text styles</a:t>
             </a:r>
           </a:p>
           <a:p>
             <a:pPr lvl="1"/>
             <a:r>
-              <a:rPr lang="en-US" smtClean="0"/>
+              <a:rPr lang="en-US"/>
               <a:t>Second level</a:t>
             </a:r>
           </a:p>
           <a:p>
             <a:pPr lvl="2"/>
             <a:r>
-              <a:rPr lang="en-US" smtClean="0"/>
+              <a:rPr lang="en-US"/>
               <a:t>Third level</a:t>
             </a:r>
           </a:p>
           <a:p>
             <a:pPr lvl="3"/>
             <a:r>
-              <a:rPr lang="en-US" smtClean="0"/>
+              <a:rPr lang="en-US"/>
               <a:t>Fourth level</a:t>
             </a:r>
           </a:p>
           <a:p>
             <a:pPr lvl="4"/>
             <a:r>
-              <a:rPr lang="en-US" smtClean="0"/>
+              <a:rPr lang="en-US"/>
               <a:t>Fifth level</a:t>
             </a:r>
-            <a:endParaRPr lang="en-US"/>
           </a:p>
         </p:txBody>
       </p:sp>
@@ -3103,7 +3082,7 @@
           <a:p>
             <a:pPr lvl="0"/>
             <a:r>
-              <a:rPr lang="en-US" smtClean="0"/>
+              <a:rPr lang="en-US"/>
               <a:t>Click to edit Master text styles</a:t>
             </a:r>
           </a:p>
@@ -3126,7 +3105,7 @@
           <a:p>
             <a:fld id="{49B6DA3E-3C8E-4D5C-8441-630DBE174E8D}" type="datetime1">
               <a:rPr lang="en-US" smtClean="0"/>
-              <a:t>1/26/2016</a:t>
+              <a:t>1/23/2017</a:t>
             </a:fld>
             <a:endParaRPr lang="en-US"/>
           </a:p>
@@ -3220,10 +3199,9 @@
           <a:lstStyle/>
           <a:p>
             <a:r>
-              <a:rPr lang="en-US" smtClean="0"/>
+              <a:rPr lang="en-US"/>
               <a:t>Click to edit Master title style</a:t>
             </a:r>
-            <a:endParaRPr lang="en-US"/>
           </a:p>
         </p:txBody>
       </p:sp>
@@ -3244,38 +3222,37 @@
           <a:p>
             <a:pPr lvl="0"/>
             <a:r>
-              <a:rPr lang="en-US" smtClean="0"/>
+              <a:rPr lang="en-US"/>
               <a:t>Click to edit Master text styles</a:t>
             </a:r>
           </a:p>
           <a:p>
             <a:pPr lvl="1"/>
             <a:r>
-              <a:rPr lang="en-US" smtClean="0"/>
+              <a:rPr lang="en-US"/>
               <a:t>Second level</a:t>
             </a:r>
           </a:p>
           <a:p>
             <a:pPr lvl="2"/>
             <a:r>
-              <a:rPr lang="en-US" smtClean="0"/>
+              <a:rPr lang="en-US"/>
               <a:t>Third level</a:t>
             </a:r>
           </a:p>
           <a:p>
             <a:pPr lvl="3"/>
             <a:r>
-              <a:rPr lang="en-US" smtClean="0"/>
+              <a:rPr lang="en-US"/>
               <a:t>Fourth level</a:t>
             </a:r>
           </a:p>
           <a:p>
             <a:pPr lvl="4"/>
             <a:r>
-              <a:rPr lang="en-US" smtClean="0"/>
+              <a:rPr lang="en-US"/>
               <a:t>Fifth level</a:t>
             </a:r>
-            <a:endParaRPr lang="en-US"/>
           </a:p>
         </p:txBody>
       </p:sp>
@@ -3296,7 +3273,7 @@
           <a:p>
             <a:fld id="{841E30D6-B7D9-43E8-B216-0FAF86DD2559}" type="datetime1">
               <a:rPr lang="en-US" smtClean="0"/>
-              <a:t>1/26/2016</a:t>
+              <a:t>1/23/2017</a:t>
             </a:fld>
             <a:endParaRPr lang="en-US"/>
           </a:p>
@@ -3399,10 +3376,9 @@
           </a:lstStyle>
           <a:p>
             <a:r>
-              <a:rPr lang="en-US" smtClean="0"/>
+              <a:rPr lang="en-US"/>
               <a:t>Click to edit Master title style</a:t>
             </a:r>
-            <a:endParaRPr lang="en-US"/>
           </a:p>
         </p:txBody>
       </p:sp>
@@ -3526,7 +3502,7 @@
           <a:p>
             <a:pPr lvl="0"/>
             <a:r>
-              <a:rPr lang="en-US" smtClean="0"/>
+              <a:rPr lang="en-US"/>
               <a:t>Click to edit Master text styles</a:t>
             </a:r>
           </a:p>
@@ -3549,7 +3525,7 @@
           <a:p>
             <a:fld id="{F97EC72C-BC15-4474-A9FE-7CD8CD567FE0}" type="datetime1">
               <a:rPr lang="en-US" smtClean="0"/>
-              <a:t>1/26/2016</a:t>
+              <a:t>1/23/2017</a:t>
             </a:fld>
             <a:endParaRPr lang="en-US"/>
           </a:p>
@@ -3643,10 +3619,9 @@
           <a:lstStyle/>
           <a:p>
             <a:r>
-              <a:rPr lang="en-US" smtClean="0"/>
+              <a:rPr lang="en-US"/>
               <a:t>Click to edit Master title style</a:t>
             </a:r>
-            <a:endParaRPr lang="en-US"/>
           </a:p>
         </p:txBody>
       </p:sp>
@@ -3667,38 +3642,37 @@
           <a:p>
             <a:pPr lvl="0"/>
             <a:r>
-              <a:rPr lang="en-US" smtClean="0"/>
+              <a:rPr lang="en-US"/>
               <a:t>Click to edit Master text styles</a:t>
             </a:r>
           </a:p>
           <a:p>
             <a:pPr lvl="1"/>
             <a:r>
-              <a:rPr lang="en-US" smtClean="0"/>
+              <a:rPr lang="en-US"/>
               <a:t>Second level</a:t>
             </a:r>
           </a:p>
           <a:p>
             <a:pPr lvl="2"/>
             <a:r>
-              <a:rPr lang="en-US" smtClean="0"/>
+              <a:rPr lang="en-US"/>
               <a:t>Third level</a:t>
             </a:r>
           </a:p>
           <a:p>
             <a:pPr lvl="3"/>
             <a:r>
-              <a:rPr lang="en-US" smtClean="0"/>
+              <a:rPr lang="en-US"/>
               <a:t>Fourth level</a:t>
             </a:r>
           </a:p>
           <a:p>
             <a:pPr lvl="4"/>
             <a:r>
-              <a:rPr lang="en-US" smtClean="0"/>
+              <a:rPr lang="en-US"/>
               <a:t>Fifth level</a:t>
             </a:r>
-            <a:endParaRPr lang="en-US"/>
           </a:p>
         </p:txBody>
       </p:sp>
@@ -3719,7 +3693,7 @@
           <a:p>
             <a:fld id="{7A5C7CC7-A7C7-44A2-A763-681A3139D55C}" type="datetime1">
               <a:rPr lang="en-US" smtClean="0"/>
-              <a:t>1/26/2016</a:t>
+              <a:t>1/23/2017</a:t>
             </a:fld>
             <a:endParaRPr lang="en-US"/>
           </a:p>
@@ -3818,10 +3792,9 @@
           <a:lstStyle/>
           <a:p>
             <a:r>
-              <a:rPr lang="en-US" smtClean="0"/>
+              <a:rPr lang="en-US"/>
               <a:t>Click to edit Master title style</a:t>
             </a:r>
-            <a:endParaRPr lang="en-US"/>
           </a:p>
         </p:txBody>
       </p:sp>
@@ -3847,38 +3820,37 @@
           <a:p>
             <a:pPr lvl="0"/>
             <a:r>
-              <a:rPr lang="en-US" smtClean="0"/>
+              <a:rPr lang="en-US"/>
               <a:t>Click to edit Master text styles</a:t>
             </a:r>
           </a:p>
           <a:p>
             <a:pPr lvl="1"/>
             <a:r>
-              <a:rPr lang="en-US" smtClean="0"/>
+              <a:rPr lang="en-US"/>
               <a:t>Second level</a:t>
             </a:r>
           </a:p>
           <a:p>
             <a:pPr lvl="2"/>
             <a:r>
-              <a:rPr lang="en-US" smtClean="0"/>
+              <a:rPr lang="en-US"/>
               <a:t>Third level</a:t>
             </a:r>
           </a:p>
           <a:p>
             <a:pPr lvl="3"/>
             <a:r>
-              <a:rPr lang="en-US" smtClean="0"/>
+              <a:rPr lang="en-US"/>
               <a:t>Fourth level</a:t>
             </a:r>
           </a:p>
           <a:p>
             <a:pPr lvl="4"/>
             <a:r>
-              <a:rPr lang="en-US" smtClean="0"/>
+              <a:rPr lang="en-US"/>
               <a:t>Fifth level</a:t>
             </a:r>
-            <a:endParaRPr lang="en-US"/>
           </a:p>
         </p:txBody>
       </p:sp>
@@ -3899,7 +3871,7 @@
           <a:p>
             <a:fld id="{E8587F4F-5FAD-4F4C-AFC6-D917D1614028}" type="datetime1">
               <a:rPr lang="en-US" smtClean="0"/>
-              <a:t>1/26/2016</a:t>
+              <a:t>1/23/2017</a:t>
             </a:fld>
             <a:endParaRPr lang="en-US"/>
           </a:p>
@@ -4006,10 +3978,9 @@
           <a:lstStyle/>
           <a:p>
             <a:r>
-              <a:rPr lang="en-US" smtClean="0"/>
+              <a:rPr lang="en-US"/>
               <a:t>Click to edit Master title style</a:t>
             </a:r>
-            <a:endParaRPr lang="en-US"/>
           </a:p>
         </p:txBody>
       </p:sp>
@@ -4125,10 +4096,9 @@
           </a:lstStyle>
           <a:p>
             <a:r>
-              <a:rPr lang="en-US" smtClean="0"/>
+              <a:rPr lang="en-US"/>
               <a:t>Click to edit Master subtitle style</a:t>
             </a:r>
-            <a:endParaRPr lang="en-US"/>
           </a:p>
         </p:txBody>
       </p:sp>
@@ -4149,7 +4119,7 @@
           <a:p>
             <a:fld id="{A03A44E6-E8D4-49E9-90E3-CACB6DAAD05B}" type="datetime1">
               <a:rPr lang="en-US" smtClean="0"/>
-              <a:t>1/26/2016</a:t>
+              <a:t>1/23/2017</a:t>
             </a:fld>
             <a:endParaRPr lang="en-US"/>
           </a:p>
@@ -4251,10 +4221,9 @@
           <a:lstStyle/>
           <a:p>
             <a:r>
-              <a:rPr lang="en-US" smtClean="0"/>
+              <a:rPr lang="en-US"/>
               <a:t>Click to edit Master title style</a:t>
             </a:r>
-            <a:endParaRPr lang="en-US"/>
           </a:p>
         </p:txBody>
       </p:sp>
@@ -4275,38 +4244,37 @@
           <a:p>
             <a:pPr lvl="0"/>
             <a:r>
-              <a:rPr lang="en-US" smtClean="0"/>
+              <a:rPr lang="en-US"/>
               <a:t>Click to edit Master text styles</a:t>
             </a:r>
           </a:p>
           <a:p>
             <a:pPr lvl="1"/>
             <a:r>
-              <a:rPr lang="en-US" smtClean="0"/>
+              <a:rPr lang="en-US"/>
               <a:t>Second level</a:t>
             </a:r>
           </a:p>
           <a:p>
             <a:pPr lvl="2"/>
             <a:r>
-              <a:rPr lang="en-US" smtClean="0"/>
+              <a:rPr lang="en-US"/>
               <a:t>Third level</a:t>
             </a:r>
           </a:p>
           <a:p>
             <a:pPr lvl="3"/>
             <a:r>
-              <a:rPr lang="en-US" smtClean="0"/>
+              <a:rPr lang="en-US"/>
               <a:t>Fourth level</a:t>
             </a:r>
           </a:p>
           <a:p>
             <a:pPr lvl="4"/>
             <a:r>
-              <a:rPr lang="en-US" smtClean="0"/>
+              <a:rPr lang="en-US"/>
               <a:t>Fifth level</a:t>
             </a:r>
-            <a:endParaRPr lang="en-US"/>
           </a:p>
         </p:txBody>
       </p:sp>
@@ -4327,7 +4295,7 @@
           <a:p>
             <a:fld id="{32DBB816-C144-476E-951D-DEB86EEDC065}" type="datetime1">
               <a:rPr lang="en-US" smtClean="0"/>
-              <a:t>1/26/2016</a:t>
+              <a:t>1/23/2017</a:t>
             </a:fld>
             <a:endParaRPr lang="en-US"/>
           </a:p>
@@ -4438,10 +4406,9 @@
           </a:lstStyle>
           <a:p>
             <a:r>
-              <a:rPr lang="en-US" smtClean="0"/>
+              <a:rPr lang="en-US"/>
               <a:t>Click to edit Master title style</a:t>
             </a:r>
-            <a:endParaRPr lang="en-US"/>
           </a:p>
         </p:txBody>
       </p:sp>
@@ -4558,7 +4525,7 @@
           <a:p>
             <a:pPr lvl="0"/>
             <a:r>
-              <a:rPr lang="en-US" smtClean="0"/>
+              <a:rPr lang="en-US"/>
               <a:t>Click to edit Master text styles</a:t>
             </a:r>
           </a:p>
@@ -4581,7 +4548,7 @@
           <a:p>
             <a:fld id="{65D3BB8F-F6A8-4BB5-A7E1-80E720C01870}" type="datetime1">
               <a:rPr lang="en-US" smtClean="0"/>
-              <a:t>1/26/2016</a:t>
+              <a:t>1/23/2017</a:t>
             </a:fld>
             <a:endParaRPr lang="en-US"/>
           </a:p>
@@ -4683,10 +4650,9 @@
           <a:lstStyle/>
           <a:p>
             <a:r>
-              <a:rPr lang="en-US" smtClean="0"/>
+              <a:rPr lang="en-US"/>
               <a:t>Click to edit Master title style</a:t>
             </a:r>
-            <a:endParaRPr lang="en-US"/>
           </a:p>
         </p:txBody>
       </p:sp>
@@ -4740,38 +4706,37 @@
           <a:p>
             <a:pPr lvl="0"/>
             <a:r>
-              <a:rPr lang="en-US" smtClean="0"/>
+              <a:rPr lang="en-US"/>
               <a:t>Click to edit Master text styles</a:t>
             </a:r>
           </a:p>
           <a:p>
             <a:pPr lvl="1"/>
             <a:r>
-              <a:rPr lang="en-US" smtClean="0"/>
+              <a:rPr lang="en-US"/>
               <a:t>Second level</a:t>
             </a:r>
           </a:p>
           <a:p>
             <a:pPr lvl="2"/>
             <a:r>
-              <a:rPr lang="en-US" smtClean="0"/>
+              <a:rPr lang="en-US"/>
               <a:t>Third level</a:t>
             </a:r>
           </a:p>
           <a:p>
             <a:pPr lvl="3"/>
             <a:r>
-              <a:rPr lang="en-US" smtClean="0"/>
+              <a:rPr lang="en-US"/>
               <a:t>Fourth level</a:t>
             </a:r>
           </a:p>
           <a:p>
             <a:pPr lvl="4"/>
             <a:r>
-              <a:rPr lang="en-US" smtClean="0"/>
+              <a:rPr lang="en-US"/>
               <a:t>Fifth level</a:t>
             </a:r>
-            <a:endParaRPr lang="en-US"/>
           </a:p>
         </p:txBody>
       </p:sp>
@@ -4825,38 +4790,37 @@
           <a:p>
             <a:pPr lvl="0"/>
             <a:r>
-              <a:rPr lang="en-US" smtClean="0"/>
+              <a:rPr lang="en-US"/>
               <a:t>Click to edit Master text styles</a:t>
             </a:r>
           </a:p>
           <a:p>
             <a:pPr lvl="1"/>
             <a:r>
-              <a:rPr lang="en-US" smtClean="0"/>
+              <a:rPr lang="en-US"/>
               <a:t>Second level</a:t>
             </a:r>
           </a:p>
           <a:p>
             <a:pPr lvl="2"/>
             <a:r>
-              <a:rPr lang="en-US" smtClean="0"/>
+              <a:rPr lang="en-US"/>
               <a:t>Third level</a:t>
             </a:r>
           </a:p>
           <a:p>
             <a:pPr lvl="3"/>
             <a:r>
-              <a:rPr lang="en-US" smtClean="0"/>
+              <a:rPr lang="en-US"/>
               <a:t>Fourth level</a:t>
             </a:r>
           </a:p>
           <a:p>
             <a:pPr lvl="4"/>
             <a:r>
-              <a:rPr lang="en-US" smtClean="0"/>
+              <a:rPr lang="en-US"/>
               <a:t>Fifth level</a:t>
             </a:r>
-            <a:endParaRPr lang="en-US"/>
           </a:p>
         </p:txBody>
       </p:sp>
@@ -4877,7 +4841,7 @@
           <a:p>
             <a:fld id="{4A608807-CF6D-4535-941D-9CD5EC0CF299}" type="datetime1">
               <a:rPr lang="en-US" smtClean="0"/>
-              <a:t>1/26/2016</a:t>
+              <a:t>1/23/2017</a:t>
             </a:fld>
             <a:endParaRPr lang="en-US"/>
           </a:p>
@@ -4983,10 +4947,9 @@
           </a:lstStyle>
           <a:p>
             <a:r>
-              <a:rPr lang="en-US" smtClean="0"/>
+              <a:rPr lang="en-US"/>
               <a:t>Click to edit Master title style</a:t>
             </a:r>
-            <a:endParaRPr lang="en-US"/>
           </a:p>
         </p:txBody>
       </p:sp>
@@ -5049,7 +5012,7 @@
           <a:p>
             <a:pPr lvl="0"/>
             <a:r>
-              <a:rPr lang="en-US" smtClean="0"/>
+              <a:rPr lang="en-US"/>
               <a:t>Click to edit Master text styles</a:t>
             </a:r>
           </a:p>
@@ -5105,38 +5068,37 @@
           <a:p>
             <a:pPr lvl="0"/>
             <a:r>
-              <a:rPr lang="en-US" smtClean="0"/>
+              <a:rPr lang="en-US"/>
               <a:t>Click to edit Master text styles</a:t>
             </a:r>
           </a:p>
           <a:p>
             <a:pPr lvl="1"/>
             <a:r>
-              <a:rPr lang="en-US" smtClean="0"/>
+              <a:rPr lang="en-US"/>
               <a:t>Second level</a:t>
             </a:r>
           </a:p>
           <a:p>
             <a:pPr lvl="2"/>
             <a:r>
-              <a:rPr lang="en-US" smtClean="0"/>
+              <a:rPr lang="en-US"/>
               <a:t>Third level</a:t>
             </a:r>
           </a:p>
           <a:p>
             <a:pPr lvl="3"/>
             <a:r>
-              <a:rPr lang="en-US" smtClean="0"/>
+              <a:rPr lang="en-US"/>
               <a:t>Fourth level</a:t>
             </a:r>
           </a:p>
           <a:p>
             <a:pPr lvl="4"/>
             <a:r>
-              <a:rPr lang="en-US" smtClean="0"/>
+              <a:rPr lang="en-US"/>
               <a:t>Fifth level</a:t>
             </a:r>
-            <a:endParaRPr lang="en-US"/>
           </a:p>
         </p:txBody>
       </p:sp>
@@ -5199,7 +5161,7 @@
           <a:p>
             <a:pPr lvl="0"/>
             <a:r>
-              <a:rPr lang="en-US" smtClean="0"/>
+              <a:rPr lang="en-US"/>
               <a:t>Click to edit Master text styles</a:t>
             </a:r>
           </a:p>
@@ -5255,38 +5217,37 @@
           <a:p>
             <a:pPr lvl="0"/>
             <a:r>
-              <a:rPr lang="en-US" smtClean="0"/>
+              <a:rPr lang="en-US"/>
               <a:t>Click to edit Master text styles</a:t>
             </a:r>
           </a:p>
           <a:p>
             <a:pPr lvl="1"/>
             <a:r>
-              <a:rPr lang="en-US" smtClean="0"/>
+              <a:rPr lang="en-US"/>
               <a:t>Second level</a:t>
             </a:r>
           </a:p>
           <a:p>
             <a:pPr lvl="2"/>
             <a:r>
-              <a:rPr lang="en-US" smtClean="0"/>
+              <a:rPr lang="en-US"/>
               <a:t>Third level</a:t>
             </a:r>
           </a:p>
           <a:p>
             <a:pPr lvl="3"/>
             <a:r>
-              <a:rPr lang="en-US" smtClean="0"/>
+              <a:rPr lang="en-US"/>
               <a:t>Fourth level</a:t>
             </a:r>
           </a:p>
           <a:p>
             <a:pPr lvl="4"/>
             <a:r>
-              <a:rPr lang="en-US" smtClean="0"/>
+              <a:rPr lang="en-US"/>
               <a:t>Fifth level</a:t>
             </a:r>
-            <a:endParaRPr lang="en-US"/>
           </a:p>
         </p:txBody>
       </p:sp>
@@ -5307,7 +5268,7 @@
           <a:p>
             <a:fld id="{16B0049A-7B25-4151-A386-BF3C23675314}" type="datetime1">
               <a:rPr lang="en-US" smtClean="0"/>
-              <a:t>1/26/2016</a:t>
+              <a:t>1/23/2017</a:t>
             </a:fld>
             <a:endParaRPr lang="en-US"/>
           </a:p>
@@ -5409,10 +5370,9 @@
           <a:lstStyle/>
           <a:p>
             <a:r>
-              <a:rPr lang="en-US" smtClean="0"/>
+              <a:rPr lang="en-US"/>
               <a:t>Click to edit Master title style</a:t>
             </a:r>
-            <a:endParaRPr lang="en-US"/>
           </a:p>
         </p:txBody>
       </p:sp>
@@ -5433,7 +5393,7 @@
           <a:p>
             <a:fld id="{4669EECD-01E4-4572-8BD0-2717E3AC353F}" type="datetime1">
               <a:rPr lang="en-US" smtClean="0"/>
-              <a:t>1/26/2016</a:t>
+              <a:t>1/23/2017</a:t>
             </a:fld>
             <a:endParaRPr lang="en-US"/>
           </a:p>
@@ -5536,7 +5496,7 @@
           <a:p>
             <a:fld id="{FBF63299-772A-4EF5-BD70-5AE6174D1B6C}" type="datetime1">
               <a:rPr lang="en-US" smtClean="0"/>
-              <a:t>1/26/2016</a:t>
+              <a:t>1/23/2017</a:t>
             </a:fld>
             <a:endParaRPr lang="en-US"/>
           </a:p>
@@ -5639,10 +5599,9 @@
           </a:lstStyle>
           <a:p>
             <a:r>
-              <a:rPr lang="en-US" smtClean="0"/>
+              <a:rPr lang="en-US"/>
               <a:t>Click to edit Master title style</a:t>
             </a:r>
-            <a:endParaRPr lang="en-US"/>
           </a:p>
         </p:txBody>
       </p:sp>
@@ -5759,7 +5718,7 @@
           <a:p>
             <a:pPr lvl="0"/>
             <a:r>
-              <a:rPr lang="en-US" smtClean="0"/>
+              <a:rPr lang="en-US"/>
               <a:t>Click to edit Master text styles</a:t>
             </a:r>
           </a:p>
@@ -5782,7 +5741,7 @@
           <a:p>
             <a:fld id="{14C3D302-F44D-4C48-9AB4-E66C7AAD59FC}" type="datetime1">
               <a:rPr lang="en-US" smtClean="0"/>
-              <a:t>1/26/2016</a:t>
+              <a:t>1/23/2017</a:t>
             </a:fld>
             <a:endParaRPr lang="en-US"/>
           </a:p>
@@ -5893,10 +5852,9 @@
           </a:lstStyle>
           <a:p>
             <a:r>
-              <a:rPr lang="en-US" smtClean="0"/>
+              <a:rPr lang="en-US"/>
               <a:t>Click to edit Master title style</a:t>
             </a:r>
-            <a:endParaRPr lang="en-US"/>
           </a:p>
         </p:txBody>
       </p:sp>
@@ -5950,38 +5908,37 @@
           <a:p>
             <a:pPr lvl="0"/>
             <a:r>
-              <a:rPr lang="en-US" smtClean="0"/>
+              <a:rPr lang="en-US"/>
               <a:t>Click to edit Master text styles</a:t>
             </a:r>
           </a:p>
           <a:p>
             <a:pPr lvl="1"/>
             <a:r>
-              <a:rPr lang="en-US" smtClean="0"/>
+              <a:rPr lang="en-US"/>
               <a:t>Second level</a:t>
             </a:r>
           </a:p>
           <a:p>
             <a:pPr lvl="2"/>
             <a:r>
-              <a:rPr lang="en-US" smtClean="0"/>
+              <a:rPr lang="en-US"/>
               <a:t>Third level</a:t>
             </a:r>
           </a:p>
           <a:p>
             <a:pPr lvl="3"/>
             <a:r>
-              <a:rPr lang="en-US" smtClean="0"/>
+              <a:rPr lang="en-US"/>
               <a:t>Fourth level</a:t>
             </a:r>
           </a:p>
           <a:p>
             <a:pPr lvl="4"/>
             <a:r>
-              <a:rPr lang="en-US" smtClean="0"/>
+              <a:rPr lang="en-US"/>
               <a:t>Fifth level</a:t>
             </a:r>
-            <a:endParaRPr lang="en-US"/>
           </a:p>
         </p:txBody>
       </p:sp>
@@ -6044,7 +6001,7 @@
           <a:p>
             <a:pPr lvl="0"/>
             <a:r>
-              <a:rPr lang="en-US" smtClean="0"/>
+              <a:rPr lang="en-US"/>
               <a:t>Click to edit Master text styles</a:t>
             </a:r>
           </a:p>
@@ -6067,7 +6024,7 @@
           <a:p>
             <a:fld id="{BA37D725-F957-4CB0-95B7-2EACDECFF9EB}" type="datetime1">
               <a:rPr lang="en-US" smtClean="0"/>
-              <a:t>1/26/2016</a:t>
+              <a:t>1/23/2017</a:t>
             </a:fld>
             <a:endParaRPr lang="en-US"/>
           </a:p>
@@ -6178,10 +6135,9 @@
           </a:lstStyle>
           <a:p>
             <a:r>
-              <a:rPr lang="en-US" smtClean="0"/>
+              <a:rPr lang="en-US"/>
               <a:t>Click to edit Master title style</a:t>
             </a:r>
-            <a:endParaRPr lang="en-US"/>
           </a:p>
         </p:txBody>
       </p:sp>
@@ -6305,7 +6261,7 @@
           <a:p>
             <a:pPr lvl="0"/>
             <a:r>
-              <a:rPr lang="en-US" smtClean="0"/>
+              <a:rPr lang="en-US"/>
               <a:t>Click to edit Master text styles</a:t>
             </a:r>
           </a:p>
@@ -6328,7 +6284,7 @@
           <a:p>
             <a:fld id="{C3D550D7-A999-41A7-9C9D-0907FC814ADA}" type="datetime1">
               <a:rPr lang="en-US" smtClean="0"/>
-              <a:t>1/26/2016</a:t>
+              <a:t>1/23/2017</a:t>
             </a:fld>
             <a:endParaRPr lang="en-US"/>
           </a:p>
@@ -6430,10 +6386,9 @@
           <a:lstStyle/>
           <a:p>
             <a:r>
-              <a:rPr lang="en-US" smtClean="0"/>
+              <a:rPr lang="en-US"/>
               <a:t>Click to edit Master title style</a:t>
             </a:r>
-            <a:endParaRPr lang="en-US"/>
           </a:p>
         </p:txBody>
       </p:sp>
@@ -6454,38 +6409,37 @@
           <a:p>
             <a:pPr lvl="0"/>
             <a:r>
-              <a:rPr lang="en-US" smtClean="0"/>
+              <a:rPr lang="en-US"/>
               <a:t>Click to edit Master text styles</a:t>
             </a:r>
           </a:p>
           <a:p>
             <a:pPr lvl="1"/>
             <a:r>
-              <a:rPr lang="en-US" smtClean="0"/>
+              <a:rPr lang="en-US"/>
               <a:t>Second level</a:t>
             </a:r>
           </a:p>
           <a:p>
             <a:pPr lvl="2"/>
             <a:r>
-              <a:rPr lang="en-US" smtClean="0"/>
+              <a:rPr lang="en-US"/>
               <a:t>Third level</a:t>
             </a:r>
           </a:p>
           <a:p>
             <a:pPr lvl="3"/>
             <a:r>
-              <a:rPr lang="en-US" smtClean="0"/>
+              <a:rPr lang="en-US"/>
               <a:t>Fourth level</a:t>
             </a:r>
           </a:p>
           <a:p>
             <a:pPr lvl="4"/>
             <a:r>
-              <a:rPr lang="en-US" smtClean="0"/>
+              <a:rPr lang="en-US"/>
               <a:t>Fifth level</a:t>
             </a:r>
-            <a:endParaRPr lang="en-US"/>
           </a:p>
         </p:txBody>
       </p:sp>
@@ -6506,7 +6460,7 @@
           <a:p>
             <a:fld id="{94CBEF62-12B4-4E5F-BF0F-771E98D7289F}" type="datetime1">
               <a:rPr lang="en-US" smtClean="0"/>
-              <a:t>1/26/2016</a:t>
+              <a:t>1/23/2017</a:t>
             </a:fld>
             <a:endParaRPr lang="en-US"/>
           </a:p>
@@ -6613,10 +6567,9 @@
           <a:lstStyle/>
           <a:p>
             <a:r>
-              <a:rPr lang="en-US" smtClean="0"/>
+              <a:rPr lang="en-US"/>
               <a:t>Click to edit Master title style</a:t>
             </a:r>
-            <a:endParaRPr lang="en-US"/>
           </a:p>
         </p:txBody>
       </p:sp>
@@ -6642,38 +6595,37 @@
           <a:p>
             <a:pPr lvl="0"/>
             <a:r>
-              <a:rPr lang="en-US" smtClean="0"/>
+              <a:rPr lang="en-US"/>
               <a:t>Click to edit Master text styles</a:t>
             </a:r>
           </a:p>
           <a:p>
             <a:pPr lvl="1"/>
             <a:r>
-              <a:rPr lang="en-US" smtClean="0"/>
+              <a:rPr lang="en-US"/>
               <a:t>Second level</a:t>
             </a:r>
           </a:p>
           <a:p>
             <a:pPr lvl="2"/>
             <a:r>
-              <a:rPr lang="en-US" smtClean="0"/>
+              <a:rPr lang="en-US"/>
               <a:t>Third level</a:t>
             </a:r>
           </a:p>
           <a:p>
             <a:pPr lvl="3"/>
             <a:r>
-              <a:rPr lang="en-US" smtClean="0"/>
+              <a:rPr lang="en-US"/>
               <a:t>Fourth level</a:t>
             </a:r>
           </a:p>
           <a:p>
             <a:pPr lvl="4"/>
             <a:r>
-              <a:rPr lang="en-US" smtClean="0"/>
+              <a:rPr lang="en-US"/>
               <a:t>Fifth level</a:t>
             </a:r>
-            <a:endParaRPr lang="en-US"/>
           </a:p>
         </p:txBody>
       </p:sp>
@@ -6694,7 +6646,7 @@
           <a:p>
             <a:fld id="{BCA8447D-ABEA-40EB-B9FF-53F7381F0DEE}" type="datetime1">
               <a:rPr lang="en-US" smtClean="0"/>
-              <a:t>1/26/2016</a:t>
+              <a:t>1/23/2017</a:t>
             </a:fld>
             <a:endParaRPr lang="en-US"/>
           </a:p>
@@ -6788,10 +6740,9 @@
           <a:lstStyle/>
           <a:p>
             <a:r>
-              <a:rPr lang="en-US" smtClean="0"/>
+              <a:rPr lang="en-US"/>
               <a:t>Click to edit Master title style</a:t>
             </a:r>
-            <a:endParaRPr lang="en-US"/>
           </a:p>
         </p:txBody>
       </p:sp>
@@ -6845,38 +6796,37 @@
           <a:p>
             <a:pPr lvl="0"/>
             <a:r>
-              <a:rPr lang="en-US" smtClean="0"/>
+              <a:rPr lang="en-US"/>
               <a:t>Click to edit Master text styles</a:t>
             </a:r>
           </a:p>
           <a:p>
             <a:pPr lvl="1"/>
             <a:r>
-              <a:rPr lang="en-US" smtClean="0"/>
+              <a:rPr lang="en-US"/>
               <a:t>Second level</a:t>
             </a:r>
           </a:p>
           <a:p>
             <a:pPr lvl="2"/>
             <a:r>
-              <a:rPr lang="en-US" smtClean="0"/>
+              <a:rPr lang="en-US"/>
               <a:t>Third level</a:t>
             </a:r>
           </a:p>
           <a:p>
             <a:pPr lvl="3"/>
             <a:r>
-              <a:rPr lang="en-US" smtClean="0"/>
+              <a:rPr lang="en-US"/>
               <a:t>Fourth level</a:t>
             </a:r>
           </a:p>
           <a:p>
             <a:pPr lvl="4"/>
             <a:r>
-              <a:rPr lang="en-US" smtClean="0"/>
+              <a:rPr lang="en-US"/>
               <a:t>Fifth level</a:t>
             </a:r>
-            <a:endParaRPr lang="en-US"/>
           </a:p>
         </p:txBody>
       </p:sp>
@@ -6930,38 +6880,37 @@
           <a:p>
             <a:pPr lvl="0"/>
             <a:r>
-              <a:rPr lang="en-US" smtClean="0"/>
+              <a:rPr lang="en-US"/>
               <a:t>Click to edit Master text styles</a:t>
             </a:r>
           </a:p>
           <a:p>
             <a:pPr lvl="1"/>
             <a:r>
-              <a:rPr lang="en-US" smtClean="0"/>
+              <a:rPr lang="en-US"/>
               <a:t>Second level</a:t>
             </a:r>
           </a:p>
           <a:p>
             <a:pPr lvl="2"/>
             <a:r>
-              <a:rPr lang="en-US" smtClean="0"/>
+              <a:rPr lang="en-US"/>
               <a:t>Third level</a:t>
             </a:r>
           </a:p>
           <a:p>
             <a:pPr lvl="3"/>
             <a:r>
-              <a:rPr lang="en-US" smtClean="0"/>
+              <a:rPr lang="en-US"/>
               <a:t>Fourth level</a:t>
             </a:r>
           </a:p>
           <a:p>
             <a:pPr lvl="4"/>
             <a:r>
-              <a:rPr lang="en-US" smtClean="0"/>
+              <a:rPr lang="en-US"/>
               <a:t>Fifth level</a:t>
             </a:r>
-            <a:endParaRPr lang="en-US"/>
           </a:p>
         </p:txBody>
       </p:sp>
@@ -6982,7 +6931,7 @@
           <a:p>
             <a:fld id="{4B1E226B-FA54-4BDC-8201-19269D734AFD}" type="datetime1">
               <a:rPr lang="en-US" smtClean="0"/>
-              <a:t>1/26/2016</a:t>
+              <a:t>1/23/2017</a:t>
             </a:fld>
             <a:endParaRPr lang="en-US"/>
           </a:p>
@@ -7080,10 +7029,9 @@
           </a:lstStyle>
           <a:p>
             <a:r>
-              <a:rPr lang="en-US" smtClean="0"/>
+              <a:rPr lang="en-US"/>
               <a:t>Click to edit Master title style</a:t>
             </a:r>
-            <a:endParaRPr lang="en-US"/>
           </a:p>
         </p:txBody>
       </p:sp>
@@ -7146,7 +7094,7 @@
           <a:p>
             <a:pPr lvl="0"/>
             <a:r>
-              <a:rPr lang="en-US" smtClean="0"/>
+              <a:rPr lang="en-US"/>
               <a:t>Click to edit Master text styles</a:t>
             </a:r>
           </a:p>
@@ -7202,38 +7150,37 @@
           <a:p>
             <a:pPr lvl="0"/>
             <a:r>
-              <a:rPr lang="en-US" smtClean="0"/>
+              <a:rPr lang="en-US"/>
               <a:t>Click to edit Master text styles</a:t>
             </a:r>
           </a:p>
           <a:p>
             <a:pPr lvl="1"/>
             <a:r>
-              <a:rPr lang="en-US" smtClean="0"/>
+              <a:rPr lang="en-US"/>
               <a:t>Second level</a:t>
             </a:r>
           </a:p>
           <a:p>
             <a:pPr lvl="2"/>
             <a:r>
-              <a:rPr lang="en-US" smtClean="0"/>
+              <a:rPr lang="en-US"/>
               <a:t>Third level</a:t>
             </a:r>
           </a:p>
           <a:p>
             <a:pPr lvl="3"/>
             <a:r>
-              <a:rPr lang="en-US" smtClean="0"/>
+              <a:rPr lang="en-US"/>
               <a:t>Fourth level</a:t>
             </a:r>
           </a:p>
           <a:p>
             <a:pPr lvl="4"/>
             <a:r>
-              <a:rPr lang="en-US" smtClean="0"/>
+              <a:rPr lang="en-US"/>
               <a:t>Fifth level</a:t>
             </a:r>
-            <a:endParaRPr lang="en-US"/>
           </a:p>
         </p:txBody>
       </p:sp>
@@ -7296,7 +7243,7 @@
           <a:p>
             <a:pPr lvl="0"/>
             <a:r>
-              <a:rPr lang="en-US" smtClean="0"/>
+              <a:rPr lang="en-US"/>
               <a:t>Click to edit Master text styles</a:t>
             </a:r>
           </a:p>
@@ -7352,38 +7299,37 @@
           <a:p>
             <a:pPr lvl="0"/>
             <a:r>
-              <a:rPr lang="en-US" smtClean="0"/>
+              <a:rPr lang="en-US"/>
               <a:t>Click to edit Master text styles</a:t>
             </a:r>
           </a:p>
           <a:p>
             <a:pPr lvl="1"/>
             <a:r>
-              <a:rPr lang="en-US" smtClean="0"/>
+              <a:rPr lang="en-US"/>
               <a:t>Second level</a:t>
             </a:r>
           </a:p>
           <a:p>
             <a:pPr lvl="2"/>
             <a:r>
-              <a:rPr lang="en-US" smtClean="0"/>
+              <a:rPr lang="en-US"/>
               <a:t>Third level</a:t>
             </a:r>
           </a:p>
           <a:p>
             <a:pPr lvl="3"/>
             <a:r>
-              <a:rPr lang="en-US" smtClean="0"/>
+              <a:rPr lang="en-US"/>
               <a:t>Fourth level</a:t>
             </a:r>
           </a:p>
           <a:p>
             <a:pPr lvl="4"/>
             <a:r>
-              <a:rPr lang="en-US" smtClean="0"/>
+              <a:rPr lang="en-US"/>
               <a:t>Fifth level</a:t>
             </a:r>
-            <a:endParaRPr lang="en-US"/>
           </a:p>
         </p:txBody>
       </p:sp>
@@ -7404,7 +7350,7 @@
           <a:p>
             <a:fld id="{A48FD302-A4C5-460E-821E-F0758F7B09DB}" type="datetime1">
               <a:rPr lang="en-US" smtClean="0"/>
-              <a:t>1/26/2016</a:t>
+              <a:t>1/23/2017</a:t>
             </a:fld>
             <a:endParaRPr lang="en-US"/>
           </a:p>
@@ -7498,10 +7444,9 @@
           <a:lstStyle/>
           <a:p>
             <a:r>
-              <a:rPr lang="en-US" smtClean="0"/>
+              <a:rPr lang="en-US"/>
               <a:t>Click to edit Master title style</a:t>
             </a:r>
-            <a:endParaRPr lang="en-US"/>
           </a:p>
         </p:txBody>
       </p:sp>
@@ -7522,7 +7467,7 @@
           <a:p>
             <a:fld id="{64F717C0-D4DB-442B-8C0B-8E7BE0603337}" type="datetime1">
               <a:rPr lang="en-US" smtClean="0"/>
-              <a:t>1/26/2016</a:t>
+              <a:t>1/23/2017</a:t>
             </a:fld>
             <a:endParaRPr lang="en-US"/>
           </a:p>
@@ -7617,7 +7562,7 @@
           <a:p>
             <a:fld id="{63D346FC-DDDE-41B4-8118-AA4FFA556266}" type="datetime1">
               <a:rPr lang="en-US" smtClean="0"/>
-              <a:t>1/26/2016</a:t>
+              <a:t>1/23/2017</a:t>
             </a:fld>
             <a:endParaRPr lang="en-US"/>
           </a:p>
@@ -7720,10 +7665,9 @@
           </a:lstStyle>
           <a:p>
             <a:r>
-              <a:rPr lang="en-US" smtClean="0"/>
+              <a:rPr lang="en-US"/>
               <a:t>Click to edit Master title style</a:t>
             </a:r>
-            <a:endParaRPr lang="en-US"/>
           </a:p>
         </p:txBody>
       </p:sp>
@@ -7777,38 +7721,37 @@
           <a:p>
             <a:pPr lvl="0"/>
             <a:r>
-              <a:rPr lang="en-US" smtClean="0"/>
+              <a:rPr lang="en-US"/>
               <a:t>Click to edit Master text styles</a:t>
             </a:r>
           </a:p>
           <a:p>
             <a:pPr lvl="1"/>
             <a:r>
-              <a:rPr lang="en-US" smtClean="0"/>
+              <a:rPr lang="en-US"/>
               <a:t>Second level</a:t>
             </a:r>
           </a:p>
           <a:p>
             <a:pPr lvl="2"/>
             <a:r>
-              <a:rPr lang="en-US" smtClean="0"/>
+              <a:rPr lang="en-US"/>
               <a:t>Third level</a:t>
             </a:r>
           </a:p>
           <a:p>
             <a:pPr lvl="3"/>
             <a:r>
-              <a:rPr lang="en-US" smtClean="0"/>
+              <a:rPr lang="en-US"/>
               <a:t>Fourth level</a:t>
             </a:r>
           </a:p>
           <a:p>
             <a:pPr lvl="4"/>
             <a:r>
-              <a:rPr lang="en-US" smtClean="0"/>
+              <a:rPr lang="en-US"/>
               <a:t>Fifth level</a:t>
             </a:r>
-            <a:endParaRPr lang="en-US"/>
           </a:p>
         </p:txBody>
       </p:sp>
@@ -7871,7 +7814,7 @@
           <a:p>
             <a:pPr lvl="0"/>
             <a:r>
-              <a:rPr lang="en-US" smtClean="0"/>
+              <a:rPr lang="en-US"/>
               <a:t>Click to edit Master text styles</a:t>
             </a:r>
           </a:p>
@@ -7894,7 +7837,7 @@
           <a:p>
             <a:fld id="{ADB0AC3C-FFED-4EAE-A34D-B9688C9307A5}" type="datetime1">
               <a:rPr lang="en-US" smtClean="0"/>
-              <a:t>1/26/2016</a:t>
+              <a:t>1/23/2017</a:t>
             </a:fld>
             <a:endParaRPr lang="en-US"/>
           </a:p>
@@ -7997,10 +7940,9 @@
           </a:lstStyle>
           <a:p>
             <a:r>
-              <a:rPr lang="en-US" smtClean="0"/>
+              <a:rPr lang="en-US"/>
               <a:t>Click to edit Master title style</a:t>
             </a:r>
-            <a:endParaRPr lang="en-US"/>
           </a:p>
         </p:txBody>
       </p:sp>
@@ -8124,7 +8066,7 @@
           <a:p>
             <a:pPr lvl="0"/>
             <a:r>
-              <a:rPr lang="en-US" smtClean="0"/>
+              <a:rPr lang="en-US"/>
               <a:t>Click to edit Master text styles</a:t>
             </a:r>
           </a:p>
@@ -8147,7 +8089,7 @@
           <a:p>
             <a:fld id="{D7BB1A1F-54B4-4384-8791-9183BFC3954E}" type="datetime1">
               <a:rPr lang="en-US" smtClean="0"/>
-              <a:t>1/26/2016</a:t>
+              <a:t>1/23/2017</a:t>
             </a:fld>
             <a:endParaRPr lang="en-US"/>
           </a:p>
@@ -8256,10 +8198,9 @@
           <a:lstStyle/>
           <a:p>
             <a:r>
-              <a:rPr lang="en-US" smtClean="0"/>
+              <a:rPr lang="en-US"/>
               <a:t>Click to edit Master title style</a:t>
             </a:r>
-            <a:endParaRPr lang="en-US"/>
           </a:p>
         </p:txBody>
       </p:sp>
@@ -8290,38 +8231,37 @@
           <a:p>
             <a:pPr lvl="0"/>
             <a:r>
-              <a:rPr lang="en-US" smtClean="0"/>
+              <a:rPr lang="en-US"/>
               <a:t>Click to edit Master text styles</a:t>
             </a:r>
           </a:p>
           <a:p>
             <a:pPr lvl="1"/>
             <a:r>
-              <a:rPr lang="en-US" smtClean="0"/>
+              <a:rPr lang="en-US"/>
               <a:t>Second level</a:t>
             </a:r>
           </a:p>
           <a:p>
             <a:pPr lvl="2"/>
             <a:r>
-              <a:rPr lang="en-US" smtClean="0"/>
+              <a:rPr lang="en-US"/>
               <a:t>Third level</a:t>
             </a:r>
           </a:p>
           <a:p>
             <a:pPr lvl="3"/>
             <a:r>
-              <a:rPr lang="en-US" smtClean="0"/>
+              <a:rPr lang="en-US"/>
               <a:t>Fourth level</a:t>
             </a:r>
           </a:p>
           <a:p>
             <a:pPr lvl="4"/>
             <a:r>
-              <a:rPr lang="en-US" smtClean="0"/>
+              <a:rPr lang="en-US"/>
               <a:t>Fifth level</a:t>
             </a:r>
-            <a:endParaRPr lang="en-US"/>
           </a:p>
         </p:txBody>
       </p:sp>
@@ -8360,7 +8300,7 @@
           <a:p>
             <a:fld id="{4FF4215C-EF9E-4499-8028-3F6D416200A1}" type="datetime1">
               <a:rPr lang="en-US" smtClean="0"/>
-              <a:t>1/26/2016</a:t>
+              <a:t>1/23/2017</a:t>
             </a:fld>
             <a:endParaRPr lang="en-US"/>
           </a:p>
@@ -8772,10 +8712,9 @@
           <a:lstStyle/>
           <a:p>
             <a:r>
-              <a:rPr lang="en-US" smtClean="0"/>
+              <a:rPr lang="en-US"/>
               <a:t>Click to edit Master title style</a:t>
             </a:r>
-            <a:endParaRPr lang="en-US"/>
           </a:p>
         </p:txBody>
       </p:sp>
@@ -8806,38 +8745,37 @@
           <a:p>
             <a:pPr lvl="0"/>
             <a:r>
-              <a:rPr lang="en-US" smtClean="0"/>
+              <a:rPr lang="en-US"/>
               <a:t>Click to edit Master text styles</a:t>
             </a:r>
           </a:p>
           <a:p>
             <a:pPr lvl="1"/>
             <a:r>
-              <a:rPr lang="en-US" smtClean="0"/>
+              <a:rPr lang="en-US"/>
               <a:t>Second level</a:t>
             </a:r>
           </a:p>
           <a:p>
             <a:pPr lvl="2"/>
             <a:r>
-              <a:rPr lang="en-US" smtClean="0"/>
+              <a:rPr lang="en-US"/>
               <a:t>Third level</a:t>
             </a:r>
           </a:p>
           <a:p>
             <a:pPr lvl="3"/>
             <a:r>
-              <a:rPr lang="en-US" smtClean="0"/>
+              <a:rPr lang="en-US"/>
               <a:t>Fourth level</a:t>
             </a:r>
           </a:p>
           <a:p>
             <a:pPr lvl="4"/>
             <a:r>
-              <a:rPr lang="en-US" smtClean="0"/>
+              <a:rPr lang="en-US"/>
               <a:t>Fifth level</a:t>
             </a:r>
-            <a:endParaRPr lang="en-US"/>
           </a:p>
         </p:txBody>
       </p:sp>
@@ -8876,7 +8814,7 @@
           <a:p>
             <a:fld id="{A4E079AD-47BF-4602-90E1-6DFC049A5484}" type="datetime1">
               <a:rPr lang="en-US" smtClean="0"/>
-              <a:t>1/26/2016</a:t>
+              <a:t>1/23/2017</a:t>
             </a:fld>
             <a:endParaRPr lang="en-US"/>
           </a:p>
@@ -9286,10 +9224,9 @@
           <a:lstStyle/>
           <a:p>
             <a:r>
-              <a:rPr lang="en-US" dirty="0" smtClean="0"/>
+              <a:rPr lang="en-US" dirty="0"/>
               <a:t>Click to edit Master title style</a:t>
             </a:r>
-            <a:endParaRPr lang="en-US" dirty="0"/>
           </a:p>
         </p:txBody>
       </p:sp>
@@ -9320,38 +9257,37 @@
           <a:p>
             <a:pPr lvl="0"/>
             <a:r>
-              <a:rPr lang="en-US" smtClean="0"/>
+              <a:rPr lang="en-US"/>
               <a:t>Click to edit Master text styles</a:t>
             </a:r>
           </a:p>
           <a:p>
             <a:pPr lvl="1"/>
             <a:r>
-              <a:rPr lang="en-US" smtClean="0"/>
+              <a:rPr lang="en-US"/>
               <a:t>Second level</a:t>
             </a:r>
           </a:p>
           <a:p>
             <a:pPr lvl="2"/>
             <a:r>
-              <a:rPr lang="en-US" smtClean="0"/>
+              <a:rPr lang="en-US"/>
               <a:t>Third level</a:t>
             </a:r>
           </a:p>
           <a:p>
             <a:pPr lvl="3"/>
             <a:r>
-              <a:rPr lang="en-US" smtClean="0"/>
+              <a:rPr lang="en-US"/>
               <a:t>Fourth level</a:t>
             </a:r>
           </a:p>
           <a:p>
             <a:pPr lvl="4"/>
             <a:r>
-              <a:rPr lang="en-US" smtClean="0"/>
+              <a:rPr lang="en-US"/>
               <a:t>Fifth level</a:t>
             </a:r>
-            <a:endParaRPr lang="en-US"/>
           </a:p>
         </p:txBody>
       </p:sp>
@@ -9390,7 +9326,7 @@
           <a:p>
             <a:fld id="{C3A25FC6-4A5B-4D03-B6E2-74CEF1309020}" type="datetime1">
               <a:rPr lang="en-US" smtClean="0"/>
-              <a:t>1/26/2016</a:t>
+              <a:t>1/23/2017</a:t>
             </a:fld>
             <a:endParaRPr lang="en-US"/>
           </a:p>
@@ -9792,7 +9728,7 @@
           <a:p>
             <a:pPr algn="ctr"/>
             <a:r>
-              <a:rPr lang="en-SG" b="1" smtClean="0">
+              <a:rPr lang="en-SG" b="1">
                 <a:solidFill>
                   <a:srgbClr val="FFFF00"/>
                 </a:solidFill>
@@ -9803,18 +9739,13 @@
           <a:p>
             <a:pPr algn="ctr"/>
             <a:r>
-              <a:rPr lang="en-SG" smtClean="0">
+              <a:rPr lang="en-SG">
                 <a:solidFill>
                   <a:srgbClr val="FFFFFF"/>
                 </a:solidFill>
               </a:rPr>
               <a:t>Adjust the design of this slide and click the 'Sync Agenda' (in Agenda Lab) to replicate the design in the other slides.</a:t>
             </a:r>
-            <a:endParaRPr lang="en-SG">
-              <a:solidFill>
-                <a:srgbClr val="FFFFFF"/>
-              </a:solidFill>
-            </a:endParaRPr>
           </a:p>
         </p:txBody>
       </p:sp>
@@ -9834,10 +9765,9 @@
           <a:lstStyle/>
           <a:p>
             <a:r>
-              <a:rPr lang="en-SG" smtClean="0"/>
+              <a:rPr lang="en-SG"/>
               <a:t>Agenda</a:t>
             </a:r>
-            <a:endParaRPr lang="en-SG"/>
           </a:p>
         </p:txBody>
       </p:sp>
@@ -9971,14 +9901,6 @@
   <p:clrMapOvr>
     <a:masterClrMapping/>
   </p:clrMapOvr>
-  <mc:AlternateContent xmlns:mc="http://schemas.openxmlformats.org/markup-compatibility/2006">
-    <mc:Choice xmlns:p14="http://schemas.microsoft.com/office/powerpoint/2010/main" Requires="p14">
-      <p:transition spd="slow" p14:dur="2000"/>
-    </mc:Choice>
-    <mc:Fallback>
-      <p:transition spd="slow"/>
-    </mc:Fallback>
-  </mc:AlternateContent>
   <p:timing>
     <p:tnLst>
       <p:par>
@@ -10141,13 +10063,6 @@
   <p:clrMapOvr>
     <a:masterClrMapping/>
   </p:clrMapOvr>
-  <p:timing>
-    <p:tnLst>
-      <p:par>
-        <p:cTn id="1" dur="indefinite" restart="never" nodeType="tmRoot"/>
-      </p:par>
-    </p:tnLst>
-  </p:timing>
 </p:sld>
 </file>
 
@@ -10280,11 +10195,11 @@
   <p:clrMapOvr>
     <a:masterClrMapping/>
   </p:clrMapOvr>
-  <mc:AlternateContent xmlns:mc="http://schemas.openxmlformats.org/markup-compatibility/2006">
-    <mc:Choice xmlns:p14="http://schemas.microsoft.com/office/powerpoint/2010/main" Requires="p14">
+  <mc:AlternateContent xmlns:mc="http://schemas.openxmlformats.org/markup-compatibility/2006" xmlns:p14="http://schemas.microsoft.com/office/powerpoint/2010/main">
+    <mc:Choice Requires="p14">
       <p:transition spd="slow" p14:dur="2000" advClick="0" advTm="0"/>
     </mc:Choice>
-    <mc:Fallback>
+    <mc:Fallback xmlns="">
       <p:transition spd="slow" advClick="0" advTm="0"/>
     </mc:Fallback>
   </mc:AlternateContent>
@@ -10803,13 +10718,13 @@
   <p:clrMapOvr>
     <a:masterClrMapping/>
   </p:clrMapOvr>
-  <mc:AlternateContent xmlns:mc="http://schemas.openxmlformats.org/markup-compatibility/2006">
-    <mc:Choice xmlns:p14="http://schemas.microsoft.com/office/powerpoint/2010/main" Requires="p14">
+  <mc:AlternateContent xmlns:mc="http://schemas.openxmlformats.org/markup-compatibility/2006" xmlns:p14="http://schemas.microsoft.com/office/powerpoint/2010/main">
+    <mc:Choice Requires="p14">
       <p:transition p14:dur="250">
         <p:fade/>
       </p:transition>
     </mc:Choice>
-    <mc:Fallback>
+    <mc:Fallback xmlns="">
       <p:transition>
         <p:fade/>
       </p:transition>
@@ -11060,11 +10975,11 @@
   <p:clrMapOvr>
     <a:masterClrMapping/>
   </p:clrMapOvr>
-  <mc:AlternateContent xmlns:mc="http://schemas.openxmlformats.org/markup-compatibility/2006">
-    <mc:Choice xmlns:p14="http://schemas.microsoft.com/office/powerpoint/2010/main" Requires="p14">
+  <mc:AlternateContent xmlns:mc="http://schemas.openxmlformats.org/markup-compatibility/2006" xmlns:p14="http://schemas.microsoft.com/office/powerpoint/2010/main">
+    <mc:Choice Requires="p14">
       <p:transition p14:dur="250" advClick="0" advTm="0"/>
     </mc:Choice>
-    <mc:Fallback>
+    <mc:Fallback xmlns="">
       <p:transition advClick="0" advTm="0"/>
     </mc:Fallback>
   </mc:AlternateContent>
@@ -11482,10 +11397,9 @@
           </a:lstStyle>
           <a:p>
             <a:r>
-              <a:rPr lang="en-US" dirty="0" smtClean="0"/>
+              <a:rPr lang="en-US" dirty="0"/>
               <a:t>Pattern</a:t>
             </a:r>
-            <a:endParaRPr lang="en-US" dirty="0"/>
           </a:p>
         </p:txBody>
       </p:sp>
@@ -11522,25 +11436,18 @@
   <p:clrMapOvr>
     <a:masterClrMapping/>
   </p:clrMapOvr>
-  <mc:AlternateContent xmlns:mc="http://schemas.openxmlformats.org/markup-compatibility/2006">
-    <mc:Choice xmlns:p14="http://schemas.microsoft.com/office/powerpoint/2010/main" Requires="p14">
+  <mc:AlternateContent xmlns:mc="http://schemas.openxmlformats.org/markup-compatibility/2006" xmlns:p14="http://schemas.microsoft.com/office/powerpoint/2010/main">
+    <mc:Choice Requires="p14">
       <p:transition p14:dur="250">
         <p:fade/>
       </p:transition>
     </mc:Choice>
-    <mc:Fallback>
+    <mc:Fallback xmlns="">
       <p:transition>
         <p:fade/>
       </p:transition>
     </mc:Fallback>
   </mc:AlternateContent>
-  <p:timing>
-    <p:tnLst>
-      <p:par>
-        <p:cTn id="1" dur="indefinite" restart="never" nodeType="tmRoot"/>
-      </p:par>
-    </p:tnLst>
-  </p:timing>
 </p:sld>
 </file>
 
@@ -11594,13 +11501,6 @@
   <p:clrMapOvr>
     <a:masterClrMapping/>
   </p:clrMapOvr>
-  <p:timing>
-    <p:tnLst>
-      <p:par>
-        <p:cTn id="1" dur="indefinite" restart="never" nodeType="tmRoot"/>
-      </p:par>
-    </p:tnLst>
-  </p:timing>
 </p:sld>
 </file>
 
@@ -11733,11 +11633,11 @@
   <p:clrMapOvr>
     <a:masterClrMapping/>
   </p:clrMapOvr>
-  <mc:AlternateContent xmlns:mc="http://schemas.openxmlformats.org/markup-compatibility/2006">
-    <mc:Choice xmlns:p14="http://schemas.microsoft.com/office/powerpoint/2010/main" Requires="p14">
+  <mc:AlternateContent xmlns:mc="http://schemas.openxmlformats.org/markup-compatibility/2006" xmlns:p14="http://schemas.microsoft.com/office/powerpoint/2010/main">
+    <mc:Choice Requires="p14">
       <p:transition spd="slow" p14:dur="2000" advClick="0" advTm="0"/>
     </mc:Choice>
-    <mc:Fallback>
+    <mc:Fallback xmlns="">
       <p:transition spd="slow" advClick="0" advTm="0"/>
     </mc:Fallback>
   </mc:AlternateContent>
@@ -12256,13 +12156,13 @@
   <p:clrMapOvr>
     <a:masterClrMapping/>
   </p:clrMapOvr>
-  <mc:AlternateContent xmlns:mc="http://schemas.openxmlformats.org/markup-compatibility/2006">
-    <mc:Choice xmlns:p14="http://schemas.microsoft.com/office/powerpoint/2010/main" Requires="p14">
+  <mc:AlternateContent xmlns:mc="http://schemas.openxmlformats.org/markup-compatibility/2006" xmlns:p14="http://schemas.microsoft.com/office/powerpoint/2010/main">
+    <mc:Choice Requires="p14">
       <p:transition p14:dur="250">
         <p:fade/>
       </p:transition>
     </mc:Choice>
-    <mc:Fallback>
+    <mc:Fallback xmlns="">
       <p:transition>
         <p:fade/>
       </p:transition>
@@ -12513,11 +12413,11 @@
   <p:clrMapOvr>
     <a:masterClrMapping/>
   </p:clrMapOvr>
-  <mc:AlternateContent xmlns:mc="http://schemas.openxmlformats.org/markup-compatibility/2006">
-    <mc:Choice xmlns:p14="http://schemas.microsoft.com/office/powerpoint/2010/main" Requires="p14">
+  <mc:AlternateContent xmlns:mc="http://schemas.openxmlformats.org/markup-compatibility/2006" xmlns:p14="http://schemas.microsoft.com/office/powerpoint/2010/main">
+    <mc:Choice Requires="p14">
       <p:transition p14:dur="250" advClick="0" advTm="0"/>
     </mc:Choice>
-    <mc:Fallback>
+    <mc:Fallback xmlns="">
       <p:transition advClick="0" advTm="0"/>
     </mc:Fallback>
   </mc:AlternateContent>
@@ -12851,7 +12751,7 @@
           <a:lstStyle/>
           <a:p>
             <a:r>
-              <a:rPr lang="en-US" sz="6000" dirty="0" smtClean="0"/>
+              <a:rPr lang="en-US" sz="6000" dirty="0"/>
               <a:t>Test Image</a:t>
             </a:r>
             <a:endParaRPr lang="en-SG" sz="6000" dirty="0"/>
@@ -12891,25 +12791,18 @@
   <p:clrMapOvr>
     <a:masterClrMapping/>
   </p:clrMapOvr>
-  <mc:AlternateContent xmlns:mc="http://schemas.openxmlformats.org/markup-compatibility/2006">
-    <mc:Choice xmlns:p14="http://schemas.microsoft.com/office/powerpoint/2010/main" Requires="p14">
+  <mc:AlternateContent xmlns:mc="http://schemas.openxmlformats.org/markup-compatibility/2006" xmlns:p14="http://schemas.microsoft.com/office/powerpoint/2010/main">
+    <mc:Choice Requires="p14">
       <p:transition p14:dur="250">
         <p:fade/>
       </p:transition>
     </mc:Choice>
-    <mc:Fallback>
+    <mc:Fallback xmlns="">
       <p:transition>
         <p:fade/>
       </p:transition>
     </mc:Fallback>
   </mc:AlternateContent>
-  <p:timing>
-    <p:tnLst>
-      <p:par>
-        <p:cTn id="1" dur="indefinite" restart="never" nodeType="tmRoot"/>
-      </p:par>
-    </p:tnLst>
-  </p:timing>
 </p:sld>
 </file>
 
@@ -12948,7 +12841,7 @@
           <a:lstStyle/>
           <a:p>
             <a:r>
-              <a:rPr lang="en-US" sz="5400" b="1" dirty="0" err="1" smtClean="0">
+              <a:rPr lang="en-US" sz="5400" b="1" dirty="0" err="1">
                 <a:solidFill>
                   <a:schemeClr val="accent6">
                     <a:lumMod val="75000"/>
@@ -12958,7 +12851,7 @@
               <a:t>PowerPointLabs</a:t>
             </a:r>
             <a:r>
-              <a:rPr lang="en-US" sz="5400" b="1" dirty="0" smtClean="0">
+              <a:rPr lang="en-US" sz="5400" b="1" dirty="0">
                 <a:solidFill>
                   <a:schemeClr val="accent6">
                     <a:lumMod val="75000"/>
@@ -12996,7 +12889,7 @@
               <a:buNone/>
             </a:pPr>
             <a:r>
-              <a:rPr lang="en-US" b="1" dirty="0" smtClean="0">
+              <a:rPr lang="en-US" b="1" dirty="0">
                 <a:solidFill>
                   <a:srgbClr val="0070C0"/>
                 </a:solidFill>
@@ -13007,34 +12900,21 @@
           <a:p>
             <a:pPr marL="285750" indent="-285750"/>
             <a:r>
-              <a:rPr lang="en-US" b="1" dirty="0" smtClean="0">
-                <a:solidFill>
-                  <a:srgbClr val="0070C0"/>
-                </a:solidFill>
-              </a:rPr>
-              <a:t>DO </a:t>
-            </a:r>
-            <a:r>
               <a:rPr lang="en-US" b="1" dirty="0">
                 <a:solidFill>
                   <a:srgbClr val="0070C0"/>
                 </a:solidFill>
               </a:rPr>
-              <a:t>NOT SAVE </a:t>
-            </a:r>
-            <a:r>
-              <a:rPr lang="en-US" dirty="0" smtClean="0">
+              <a:t>DO NOT SAVE </a:t>
+            </a:r>
+            <a:r>
+              <a:rPr lang="en-US" dirty="0">
                 <a:solidFill>
                   <a:srgbClr val="0070C0"/>
                 </a:solidFill>
               </a:rPr>
               <a:t>these slides after testing. Keep this file in its original form.</a:t>
             </a:r>
-            <a:endParaRPr lang="en-US" dirty="0">
-              <a:solidFill>
-                <a:srgbClr val="0070C0"/>
-              </a:solidFill>
-            </a:endParaRPr>
           </a:p>
           <a:p>
             <a:pPr marL="285750" indent="-285750"/>
@@ -13044,47 +12924,7 @@
                   <a:srgbClr val="0070C0"/>
                 </a:solidFill>
               </a:rPr>
-              <a:t>If </a:t>
-            </a:r>
-            <a:r>
-              <a:rPr lang="en-US" dirty="0" smtClean="0">
-                <a:solidFill>
-                  <a:srgbClr val="0070C0"/>
-                </a:solidFill>
-              </a:rPr>
-              <a:t>your </a:t>
-            </a:r>
-            <a:r>
-              <a:rPr lang="en-US" dirty="0">
-                <a:solidFill>
-                  <a:srgbClr val="0070C0"/>
-                </a:solidFill>
-              </a:rPr>
-              <a:t>result </a:t>
-            </a:r>
-            <a:r>
-              <a:rPr lang="en-US" dirty="0" smtClean="0">
-                <a:solidFill>
-                  <a:srgbClr val="0070C0"/>
-                </a:solidFill>
-              </a:rPr>
-              <a:t>is different from the </a:t>
-            </a:r>
-            <a:r>
-              <a:rPr lang="en-US" dirty="0">
-                <a:solidFill>
-                  <a:srgbClr val="0070C0"/>
-                </a:solidFill>
-              </a:rPr>
-              <a:t>expected output, </a:t>
-            </a:r>
-            <a:r>
-              <a:rPr lang="en-US" dirty="0" smtClean="0">
-                <a:solidFill>
-                  <a:srgbClr val="0070C0"/>
-                </a:solidFill>
-              </a:rPr>
-              <a:t>please submit a bug report (attach slides/screenshots as necessary).</a:t>
+              <a:t>If your result is different from the expected output, please submit a bug report (attach slides/screenshots as necessary).</a:t>
             </a:r>
             <a:endParaRPr lang="en-SG" dirty="0">
               <a:solidFill>
@@ -13130,13 +12970,6 @@
   <p:clrMapOvr>
     <a:masterClrMapping/>
   </p:clrMapOvr>
-  <p:timing>
-    <p:tnLst>
-      <p:par>
-        <p:cTn id="1" dur="indefinite" restart="never" nodeType="tmRoot"/>
-      </p:par>
-    </p:tnLst>
-  </p:timing>
 </p:sld>
 </file>
 
@@ -13180,7 +13013,7 @@
           <a:lstStyle/>
           <a:p>
             <a:r>
-              <a:rPr lang="en-US" sz="6000" dirty="0" smtClean="0"/>
+              <a:rPr lang="en-US" sz="6000" dirty="0"/>
               <a:t>A long section</a:t>
             </a:r>
             <a:endParaRPr lang="en-SG" sz="6000" dirty="0"/>
@@ -13220,13 +13053,6 @@
   <p:clrMapOvr>
     <a:masterClrMapping/>
   </p:clrMapOvr>
-  <p:timing>
-    <p:tnLst>
-      <p:par>
-        <p:cTn id="1" dur="indefinite" restart="never" nodeType="tmRoot"/>
-      </p:par>
-    </p:tnLst>
-  </p:timing>
 </p:sld>
 </file>
 
@@ -13288,13 +13114,6 @@
   <p:clrMapOvr>
     <a:masterClrMapping/>
   </p:clrMapOvr>
-  <p:timing>
-    <p:tnLst>
-      <p:par>
-        <p:cTn id="1" dur="indefinite" restart="never" nodeType="tmRoot"/>
-      </p:par>
-    </p:tnLst>
-  </p:timing>
 </p:sld>
 </file>
 
@@ -13357,13 +13176,6 @@
   <p:clrMapOvr>
     <a:masterClrMapping/>
   </p:clrMapOvr>
-  <p:timing>
-    <p:tnLst>
-      <p:par>
-        <p:cTn id="1" dur="indefinite" restart="never" nodeType="tmRoot"/>
-      </p:par>
-    </p:tnLst>
-  </p:timing>
 </p:sld>
 </file>
 
@@ -13417,13 +13229,6 @@
   <p:clrMapOvr>
     <a:masterClrMapping/>
   </p:clrMapOvr>
-  <p:timing>
-    <p:tnLst>
-      <p:par>
-        <p:cTn id="1" dur="indefinite" restart="never" nodeType="tmRoot"/>
-      </p:par>
-    </p:tnLst>
-  </p:timing>
 </p:sld>
 </file>
 
@@ -13556,11 +13361,11 @@
   <p:clrMapOvr>
     <a:masterClrMapping/>
   </p:clrMapOvr>
-  <mc:AlternateContent xmlns:mc="http://schemas.openxmlformats.org/markup-compatibility/2006">
-    <mc:Choice xmlns:p14="http://schemas.microsoft.com/office/powerpoint/2010/main" Requires="p14">
+  <mc:AlternateContent xmlns:mc="http://schemas.openxmlformats.org/markup-compatibility/2006" xmlns:p14="http://schemas.microsoft.com/office/powerpoint/2010/main">
+    <mc:Choice Requires="p14">
       <p:transition spd="slow" p14:dur="2000" advClick="0" advTm="0"/>
     </mc:Choice>
-    <mc:Fallback>
+    <mc:Fallback xmlns="">
       <p:transition spd="slow" advClick="0" advTm="0"/>
     </mc:Fallback>
   </mc:AlternateContent>
@@ -14079,13 +13884,13 @@
   <p:clrMapOvr>
     <a:masterClrMapping/>
   </p:clrMapOvr>
-  <mc:AlternateContent xmlns:mc="http://schemas.openxmlformats.org/markup-compatibility/2006">
-    <mc:Choice xmlns:p14="http://schemas.microsoft.com/office/powerpoint/2010/main" Requires="p14">
+  <mc:AlternateContent xmlns:mc="http://schemas.openxmlformats.org/markup-compatibility/2006" xmlns:p14="http://schemas.microsoft.com/office/powerpoint/2010/main">
+    <mc:Choice Requires="p14">
       <p:transition p14:dur="250">
         <p:fade/>
       </p:transition>
     </mc:Choice>
-    <mc:Fallback>
+    <mc:Fallback xmlns="">
       <p:transition>
         <p:fade/>
       </p:transition>
@@ -14336,11 +14141,11 @@
   <p:clrMapOvr>
     <a:masterClrMapping/>
   </p:clrMapOvr>
-  <mc:AlternateContent xmlns:mc="http://schemas.openxmlformats.org/markup-compatibility/2006">
-    <mc:Choice xmlns:p14="http://schemas.microsoft.com/office/powerpoint/2010/main" Requires="p14">
+  <mc:AlternateContent xmlns:mc="http://schemas.openxmlformats.org/markup-compatibility/2006" xmlns:p14="http://schemas.microsoft.com/office/powerpoint/2010/main">
+    <mc:Choice Requires="p14">
       <p:transition p14:dur="250" advClick="0" advTm="0"/>
     </mc:Choice>
-    <mc:Fallback>
+    <mc:Fallback xmlns="">
       <p:transition advClick="0" advTm="0"/>
     </mc:Fallback>
   </mc:AlternateContent>
@@ -14662,25 +14467,18 @@
   <p:clrMapOvr>
     <a:masterClrMapping/>
   </p:clrMapOvr>
-  <mc:AlternateContent xmlns:mc="http://schemas.openxmlformats.org/markup-compatibility/2006">
-    <mc:Choice xmlns:p14="http://schemas.microsoft.com/office/powerpoint/2010/main" Requires="p14">
+  <mc:AlternateContent xmlns:mc="http://schemas.openxmlformats.org/markup-compatibility/2006" xmlns:p14="http://schemas.microsoft.com/office/powerpoint/2010/main">
+    <mc:Choice Requires="p14">
       <p:transition p14:dur="250">
         <p:fade/>
       </p:transition>
     </mc:Choice>
-    <mc:Fallback>
+    <mc:Fallback xmlns="">
       <p:transition>
         <p:fade/>
       </p:transition>
     </mc:Fallback>
   </mc:AlternateContent>
-  <p:timing>
-    <p:tnLst>
-      <p:par>
-        <p:cTn id="1" dur="indefinite" restart="never" nodeType="tmRoot"/>
-      </p:par>
-    </p:tnLst>
-  </p:timing>
 </p:sld>
 </file>
 
@@ -14821,11 +14619,11 @@
   <p:clrMapOvr>
     <a:masterClrMapping/>
   </p:clrMapOvr>
-  <mc:AlternateContent xmlns:mc="http://schemas.openxmlformats.org/markup-compatibility/2006">
-    <mc:Choice xmlns:p14="http://schemas.microsoft.com/office/powerpoint/2010/main" Requires="p14">
+  <mc:AlternateContent xmlns:mc="http://schemas.openxmlformats.org/markup-compatibility/2006" xmlns:p14="http://schemas.microsoft.com/office/powerpoint/2010/main">
+    <mc:Choice Requires="p14">
       <p:transition p14:dur="250" advClick="0" advTm="0"/>
     </mc:Choice>
-    <mc:Fallback>
+    <mc:Fallback xmlns="">
       <p:transition advClick="0" advTm="0"/>
     </mc:Fallback>
   </mc:AlternateContent>
@@ -15344,13 +15142,13 @@
   <p:clrMapOvr>
     <a:masterClrMapping/>
   </p:clrMapOvr>
-  <mc:AlternateContent xmlns:mc="http://schemas.openxmlformats.org/markup-compatibility/2006">
-    <mc:Choice xmlns:p14="http://schemas.microsoft.com/office/powerpoint/2010/main" Requires="p14">
+  <mc:AlternateContent xmlns:mc="http://schemas.openxmlformats.org/markup-compatibility/2006" xmlns:p14="http://schemas.microsoft.com/office/powerpoint/2010/main">
+    <mc:Choice Requires="p14">
       <p:transition p14:dur="250">
         <p:fade/>
       </p:transition>
     </mc:Choice>
-    <mc:Fallback>
+    <mc:Fallback xmlns="">
       <p:transition>
         <p:fade/>
       </p:transition>
@@ -15871,7 +15669,7 @@
         <p:nvPicPr>
           <p:cNvPr id="3" name="Picture 2"/>
           <p:cNvPicPr>
-            <a:picLocks/>
+            <a:picLocks noChangeAspect="1"/>
           </p:cNvPicPr>
           <p:nvPr/>
         </p:nvPicPr>
@@ -15889,8 +15687,8 @@
         </p:blipFill>
         <p:spPr>
           <a:xfrm>
-            <a:off x="649224" y="992124"/>
-            <a:ext cx="7845552" cy="4873752"/>
+            <a:off x="0" y="1029202"/>
+            <a:ext cx="9144000" cy="4799596"/>
           </a:xfrm>
           <a:prstGeom prst="rect">
             <a:avLst/>
@@ -15900,21 +15698,13 @@
     </p:spTree>
     <p:extLst>
       <p:ext uri="{BB962C8B-B14F-4D97-AF65-F5344CB8AC3E}">
-        <p14:creationId xmlns:p14="http://schemas.microsoft.com/office/powerpoint/2010/main" val="4058737904"/>
+        <p14:creationId xmlns:p14="http://schemas.microsoft.com/office/powerpoint/2010/main" val="2932631522"/>
       </p:ext>
     </p:extLst>
   </p:cSld>
   <p:clrMapOvr>
     <a:masterClrMapping/>
   </p:clrMapOvr>
-  <mc:AlternateContent xmlns:mc="http://schemas.openxmlformats.org/markup-compatibility/2006">
-    <mc:Choice xmlns:p14="http://schemas.microsoft.com/office/powerpoint/2010/main" Requires="p14">
-      <p:transition spd="slow" p14:dur="2000"/>
-    </mc:Choice>
-    <mc:Fallback>
-      <p:transition spd="slow"/>
-    </mc:Fallback>
-  </mc:AlternateContent>
 </p:sld>
 </file>
 
@@ -16055,11 +15845,11 @@
   <p:clrMapOvr>
     <a:masterClrMapping/>
   </p:clrMapOvr>
-  <mc:AlternateContent xmlns:mc="http://schemas.openxmlformats.org/markup-compatibility/2006">
-    <mc:Choice xmlns:p14="http://schemas.microsoft.com/office/powerpoint/2010/main" Requires="p14">
+  <mc:AlternateContent xmlns:mc="http://schemas.openxmlformats.org/markup-compatibility/2006" xmlns:p14="http://schemas.microsoft.com/office/powerpoint/2010/main">
+    <mc:Choice Requires="p14">
       <p:transition spd="slow" p14:dur="2000" advClick="0" advTm="0"/>
     </mc:Choice>
-    <mc:Fallback>
+    <mc:Fallback xmlns="">
       <p:transition spd="slow" advClick="0" advTm="0"/>
     </mc:Fallback>
   </mc:AlternateContent>
@@ -16374,7 +16164,7 @@
           <a:p>
             <a:pPr algn="l"/>
             <a:r>
-              <a:rPr lang="en-US" sz="7200" dirty="0" smtClean="0">
+              <a:rPr lang="en-US" sz="7200" dirty="0">
                 <a:solidFill>
                   <a:schemeClr val="bg1"/>
                 </a:solidFill>
@@ -16412,7 +16202,7 @@
           <a:lstStyle/>
           <a:p>
             <a:r>
-              <a:rPr lang="en-US" sz="2400" b="1" dirty="0" smtClean="0">
+              <a:rPr lang="en-US" sz="2400" b="1" dirty="0">
                 <a:solidFill>
                   <a:schemeClr val="bg1"/>
                 </a:solidFill>
@@ -16426,7 +16216,7 @@
               <a:buChar char="•"/>
             </a:pPr>
             <a:r>
-              <a:rPr lang="en-US" sz="2400" dirty="0" smtClean="0">
+              <a:rPr lang="en-US" sz="2400" dirty="0">
                 <a:solidFill>
                   <a:schemeClr val="bg1"/>
                 </a:solidFill>
@@ -16469,25 +16259,18 @@
   <p:clrMapOvr>
     <a:masterClrMapping/>
   </p:clrMapOvr>
-  <mc:AlternateContent xmlns:mc="http://schemas.openxmlformats.org/markup-compatibility/2006">
-    <mc:Choice xmlns:p14="http://schemas.microsoft.com/office/powerpoint/2010/main" Requires="p14">
+  <mc:AlternateContent xmlns:mc="http://schemas.openxmlformats.org/markup-compatibility/2006" xmlns:p14="http://schemas.microsoft.com/office/powerpoint/2010/main">
+    <mc:Choice Requires="p14">
       <p:transition p14:dur="250">
         <p:fade/>
       </p:transition>
     </mc:Choice>
-    <mc:Fallback>
+    <mc:Fallback xmlns="">
       <p:transition>
         <p:fade/>
       </p:transition>
     </mc:Fallback>
   </mc:AlternateContent>
-  <p:timing>
-    <p:tnLst>
-      <p:par>
-        <p:cTn id="1" dur="indefinite" restart="never" nodeType="tmRoot"/>
-      </p:par>
-    </p:tnLst>
-  </p:timing>
 </p:sld>
 </file>
 
@@ -16649,11 +16432,11 @@
   <p:clrMapOvr>
     <a:masterClrMapping/>
   </p:clrMapOvr>
-  <mc:AlternateContent xmlns:mc="http://schemas.openxmlformats.org/markup-compatibility/2006">
-    <mc:Choice xmlns:p14="http://schemas.microsoft.com/office/powerpoint/2010/main" Requires="p14">
+  <mc:AlternateContent xmlns:mc="http://schemas.openxmlformats.org/markup-compatibility/2006" xmlns:p14="http://schemas.microsoft.com/office/powerpoint/2010/main">
+    <mc:Choice Requires="p14">
       <p:transition p14:dur="250" advClick="0" advTm="0"/>
     </mc:Choice>
-    <mc:Fallback>
+    <mc:Fallback xmlns="">
       <p:transition advClick="0" advTm="0"/>
     </mc:Fallback>
   </mc:AlternateContent>
@@ -17172,13 +16955,13 @@
   <p:clrMapOvr>
     <a:masterClrMapping/>
   </p:clrMapOvr>
-  <mc:AlternateContent xmlns:mc="http://schemas.openxmlformats.org/markup-compatibility/2006">
-    <mc:Choice xmlns:p14="http://schemas.microsoft.com/office/powerpoint/2010/main" Requires="p14">
+  <mc:AlternateContent xmlns:mc="http://schemas.openxmlformats.org/markup-compatibility/2006" xmlns:p14="http://schemas.microsoft.com/office/powerpoint/2010/main">
+    <mc:Choice Requires="p14">
       <p:transition p14:dur="250">
         <p:fade/>
       </p:transition>
     </mc:Choice>
-    <mc:Fallback>
+    <mc:Fallback xmlns="">
       <p:transition>
         <p:fade/>
       </p:transition>
@@ -17429,11 +17212,11 @@
   <p:clrMapOvr>
     <a:masterClrMapping/>
   </p:clrMapOvr>
-  <mc:AlternateContent xmlns:mc="http://schemas.openxmlformats.org/markup-compatibility/2006">
-    <mc:Choice xmlns:p14="http://schemas.microsoft.com/office/powerpoint/2010/main" Requires="p14">
+  <mc:AlternateContent xmlns:mc="http://schemas.openxmlformats.org/markup-compatibility/2006" xmlns:p14="http://schemas.microsoft.com/office/powerpoint/2010/main">
+    <mc:Choice Requires="p14">
       <p:transition p14:dur="250" advClick="0" advTm="0"/>
     </mc:Choice>
-    <mc:Fallback>
+    <mc:Fallback xmlns="">
       <p:transition advClick="0" advTm="0"/>
     </mc:Fallback>
   </mc:AlternateContent>
@@ -17767,7 +17550,7 @@
           <a:lstStyle/>
           <a:p>
             <a:r>
-              <a:rPr lang="en-US" sz="6000" dirty="0" smtClean="0"/>
+              <a:rPr lang="en-US" sz="6000" dirty="0"/>
               <a:t>Test Image</a:t>
             </a:r>
             <a:endParaRPr lang="en-SG" sz="6000" dirty="0"/>
@@ -17807,25 +17590,18 @@
   <p:clrMapOvr>
     <a:masterClrMapping/>
   </p:clrMapOvr>
-  <mc:AlternateContent xmlns:mc="http://schemas.openxmlformats.org/markup-compatibility/2006">
-    <mc:Choice xmlns:p14="http://schemas.microsoft.com/office/powerpoint/2010/main" Requires="p14">
+  <mc:AlternateContent xmlns:mc="http://schemas.openxmlformats.org/markup-compatibility/2006" xmlns:p14="http://schemas.microsoft.com/office/powerpoint/2010/main">
+    <mc:Choice Requires="p14">
       <p:transition p14:dur="250">
         <p:fade/>
       </p:transition>
     </mc:Choice>
-    <mc:Fallback>
+    <mc:Fallback xmlns="">
       <p:transition>
         <p:fade/>
       </p:transition>
     </mc:Fallback>
   </mc:AlternateContent>
-  <p:timing>
-    <p:tnLst>
-      <p:par>
-        <p:cTn id="1" dur="indefinite" restart="never" nodeType="tmRoot"/>
-      </p:par>
-    </p:tnLst>
-  </p:timing>
 </p:sld>
 </file>
 

--- a/doc/test/AgendaSlidesVisualWithSlideNumberDefault.pptx
+++ b/doc/test/AgendaSlidesVisualWithSlideNumberDefault.pptx
@@ -39,7 +39,7 @@
     <p:sldId id="314" r:id="rId30"/>
     <p:sldId id="331" r:id="rId31"/>
     <p:sldId id="328" r:id="rId32"/>
-    <p:sldId id="334" r:id="rId33"/>
+    <p:sldId id="332" r:id="rId33"/>
   </p:sldIdLst>
   <p:sldSz cx="9144000" cy="6858000" type="screen4x3"/>
   <p:notesSz cx="6858000" cy="9144000"/>
@@ -192,7 +192,7 @@
             <p14:sldId id="314"/>
             <p14:sldId id="331"/>
             <p14:sldId id="328"/>
-            <p14:sldId id="334"/>
+            <p14:sldId id="332"/>
           </p14:sldIdLst>
         </p14:section>
       </p14:sectionLst>
@@ -297,7 +297,7 @@
           <a:p>
             <a:fld id="{DBF25E5A-1DA2-4ED0-9993-2B21AFA3822E}" type="datetimeFigureOut">
               <a:rPr lang="en-SG" smtClean="0"/>
-              <a:t>23/1/2017</a:t>
+              <a:t>26/1/2016</a:t>
             </a:fld>
             <a:endParaRPr lang="en-SG"/>
           </a:p>
@@ -361,35 +361,35 @@
           <a:p>
             <a:pPr lvl="0"/>
             <a:r>
-              <a:rPr lang="en-US"/>
+              <a:rPr lang="en-US" smtClean="0"/>
               <a:t>Click to edit Master text styles</a:t>
             </a:r>
           </a:p>
           <a:p>
             <a:pPr lvl="1"/>
             <a:r>
-              <a:rPr lang="en-US"/>
+              <a:rPr lang="en-US" smtClean="0"/>
               <a:t>Second level</a:t>
             </a:r>
           </a:p>
           <a:p>
             <a:pPr lvl="2"/>
             <a:r>
-              <a:rPr lang="en-US"/>
+              <a:rPr lang="en-US" smtClean="0"/>
               <a:t>Third level</a:t>
             </a:r>
           </a:p>
           <a:p>
             <a:pPr lvl="3"/>
             <a:r>
-              <a:rPr lang="en-US"/>
+              <a:rPr lang="en-US" smtClean="0"/>
               <a:t>Fourth level</a:t>
             </a:r>
           </a:p>
           <a:p>
             <a:pPr lvl="4"/>
             <a:r>
-              <a:rPr lang="en-US"/>
+              <a:rPr lang="en-US" smtClean="0"/>
               <a:t>Fifth level</a:t>
             </a:r>
             <a:endParaRPr lang="en-SG"/>
@@ -610,9 +610,10 @@
           <a:lstStyle/>
           <a:p>
             <a:r>
-              <a:rPr lang="en-SG"/>
+              <a:rPr lang="en-SG" smtClean="0"/>
               <a:t>This notes page is used to store data - Do not edit the notes. UFBUVGVtcGxhdGVNYXJrZXI=@VGl0bGUgMQ==@UHB0TGFic0FnZW5kYV8mXkBWaXN1YWxBZ2VuZGFJbWFnZV8mXkBPbmUgU2xpZGVfMg==@UHB0TGFic0FnZW5kYV8mXkBWaXN1YWxBZ2VuZGFJbWFnZV8mXkBUd28gU2xpZGVzXzM=@UHB0TGFic0FnZW5kYV8mXkBWaXN1YWxBZ2VuZGFJbWFnZV8mXkBTYW1lIE5hbWVfNA==@UHB0TGFic0FnZW5kYV8mXkBWaXN1YWxBZ2VuZGFJbWFnZV8mXkBTYW1lIE5hbWVfNQ==@UHB0TGFic0FnZW5kYV8mXkBWaXN1YWxBZ2VuZGFJbWFnZV8mXkDjgYLjgYTjgYbjgYjjgYprbCkoKiYlJCNAODV2XyspMF9AIyVMOkNGXTFfNg==@2871121657</a:t>
             </a:r>
+            <a:endParaRPr lang="en-SG"/>
           </a:p>
         </p:txBody>
       </p:sp>
@@ -774,9 +775,10 @@
           <a:lstStyle/>
           <a:p>
             <a:r>
-              <a:rPr lang="en-US"/>
+              <a:rPr lang="en-US" smtClean="0"/>
               <a:t>Click to edit Master title style</a:t>
             </a:r>
+            <a:endParaRPr lang="en-US"/>
           </a:p>
         </p:txBody>
       </p:sp>
@@ -892,9 +894,10 @@
           </a:lstStyle>
           <a:p>
             <a:r>
-              <a:rPr lang="en-US"/>
+              <a:rPr lang="en-US" smtClean="0"/>
               <a:t>Click to edit Master subtitle style</a:t>
             </a:r>
+            <a:endParaRPr lang="en-US"/>
           </a:p>
         </p:txBody>
       </p:sp>
@@ -915,7 +918,7 @@
           <a:p>
             <a:fld id="{E48C683D-3395-46D3-BF9E-903A3AF3FF2D}" type="datetime1">
               <a:rPr lang="en-US" smtClean="0"/>
-              <a:t>1/23/2017</a:t>
+              <a:t>1/26/2016</a:t>
             </a:fld>
             <a:endParaRPr lang="en-US"/>
           </a:p>
@@ -1009,9 +1012,10 @@
           <a:lstStyle/>
           <a:p>
             <a:r>
-              <a:rPr lang="en-US"/>
+              <a:rPr lang="en-US" smtClean="0"/>
               <a:t>Click to edit Master title style</a:t>
             </a:r>
+            <a:endParaRPr lang="en-US"/>
           </a:p>
         </p:txBody>
       </p:sp>
@@ -1032,37 +1036,38 @@
           <a:p>
             <a:pPr lvl="0"/>
             <a:r>
-              <a:rPr lang="en-US"/>
+              <a:rPr lang="en-US" smtClean="0"/>
               <a:t>Click to edit Master text styles</a:t>
             </a:r>
           </a:p>
           <a:p>
             <a:pPr lvl="1"/>
             <a:r>
-              <a:rPr lang="en-US"/>
+              <a:rPr lang="en-US" smtClean="0"/>
               <a:t>Second level</a:t>
             </a:r>
           </a:p>
           <a:p>
             <a:pPr lvl="2"/>
             <a:r>
-              <a:rPr lang="en-US"/>
+              <a:rPr lang="en-US" smtClean="0"/>
               <a:t>Third level</a:t>
             </a:r>
           </a:p>
           <a:p>
             <a:pPr lvl="3"/>
             <a:r>
-              <a:rPr lang="en-US"/>
+              <a:rPr lang="en-US" smtClean="0"/>
               <a:t>Fourth level</a:t>
             </a:r>
           </a:p>
           <a:p>
             <a:pPr lvl="4"/>
             <a:r>
-              <a:rPr lang="en-US"/>
+              <a:rPr lang="en-US" smtClean="0"/>
               <a:t>Fifth level</a:t>
             </a:r>
+            <a:endParaRPr lang="en-US"/>
           </a:p>
         </p:txBody>
       </p:sp>
@@ -1083,7 +1088,7 @@
           <a:p>
             <a:fld id="{74821124-6C44-4AB3-B69D-ECA5CA5FA42B}" type="datetime1">
               <a:rPr lang="en-US" smtClean="0"/>
-              <a:t>1/23/2017</a:t>
+              <a:t>1/26/2016</a:t>
             </a:fld>
             <a:endParaRPr lang="en-US"/>
           </a:p>
@@ -1182,9 +1187,10 @@
           <a:lstStyle/>
           <a:p>
             <a:r>
-              <a:rPr lang="en-US"/>
+              <a:rPr lang="en-US" smtClean="0"/>
               <a:t>Click to edit Master title style</a:t>
             </a:r>
+            <a:endParaRPr lang="en-US"/>
           </a:p>
         </p:txBody>
       </p:sp>
@@ -1210,37 +1216,38 @@
           <a:p>
             <a:pPr lvl="0"/>
             <a:r>
-              <a:rPr lang="en-US"/>
+              <a:rPr lang="en-US" smtClean="0"/>
               <a:t>Click to edit Master text styles</a:t>
             </a:r>
           </a:p>
           <a:p>
             <a:pPr lvl="1"/>
             <a:r>
-              <a:rPr lang="en-US"/>
+              <a:rPr lang="en-US" smtClean="0"/>
               <a:t>Second level</a:t>
             </a:r>
           </a:p>
           <a:p>
             <a:pPr lvl="2"/>
             <a:r>
-              <a:rPr lang="en-US"/>
+              <a:rPr lang="en-US" smtClean="0"/>
               <a:t>Third level</a:t>
             </a:r>
           </a:p>
           <a:p>
             <a:pPr lvl="3"/>
             <a:r>
-              <a:rPr lang="en-US"/>
+              <a:rPr lang="en-US" smtClean="0"/>
               <a:t>Fourth level</a:t>
             </a:r>
           </a:p>
           <a:p>
             <a:pPr lvl="4"/>
             <a:r>
-              <a:rPr lang="en-US"/>
+              <a:rPr lang="en-US" smtClean="0"/>
               <a:t>Fifth level</a:t>
             </a:r>
+            <a:endParaRPr lang="en-US"/>
           </a:p>
         </p:txBody>
       </p:sp>
@@ -1261,7 +1268,7 @@
           <a:p>
             <a:fld id="{88F0F44A-2702-406D-B711-F1B627E409B2}" type="datetime1">
               <a:rPr lang="en-US" smtClean="0"/>
-              <a:t>1/23/2017</a:t>
+              <a:t>1/26/2016</a:t>
             </a:fld>
             <a:endParaRPr lang="en-US"/>
           </a:p>
@@ -1360,9 +1367,10 @@
           <a:lstStyle/>
           <a:p>
             <a:r>
-              <a:rPr lang="en-US"/>
+              <a:rPr lang="en-US" smtClean="0"/>
               <a:t>Click to edit Master title style</a:t>
             </a:r>
+            <a:endParaRPr lang="en-US"/>
           </a:p>
         </p:txBody>
       </p:sp>
@@ -1478,9 +1486,10 @@
           </a:lstStyle>
           <a:p>
             <a:r>
-              <a:rPr lang="en-US"/>
+              <a:rPr lang="en-US" smtClean="0"/>
               <a:t>Click to edit Master subtitle style</a:t>
             </a:r>
+            <a:endParaRPr lang="en-US"/>
           </a:p>
         </p:txBody>
       </p:sp>
@@ -1501,7 +1510,7 @@
           <a:p>
             <a:fld id="{F52725C5-6827-4E2D-9543-1539AA3954B8}" type="datetime1">
               <a:rPr lang="en-US" smtClean="0"/>
-              <a:t>1/23/2017</a:t>
+              <a:t>1/26/2016</a:t>
             </a:fld>
             <a:endParaRPr lang="en-US"/>
           </a:p>
@@ -1595,9 +1604,10 @@
           <a:lstStyle/>
           <a:p>
             <a:r>
-              <a:rPr lang="en-US"/>
+              <a:rPr lang="en-US" smtClean="0"/>
               <a:t>Click to edit Master title style</a:t>
             </a:r>
+            <a:endParaRPr lang="en-US"/>
           </a:p>
         </p:txBody>
       </p:sp>
@@ -1618,37 +1628,38 @@
           <a:p>
             <a:pPr lvl="0"/>
             <a:r>
-              <a:rPr lang="en-US"/>
+              <a:rPr lang="en-US" smtClean="0"/>
               <a:t>Click to edit Master text styles</a:t>
             </a:r>
           </a:p>
           <a:p>
             <a:pPr lvl="1"/>
             <a:r>
-              <a:rPr lang="en-US"/>
+              <a:rPr lang="en-US" smtClean="0"/>
               <a:t>Second level</a:t>
             </a:r>
           </a:p>
           <a:p>
             <a:pPr lvl="2"/>
             <a:r>
-              <a:rPr lang="en-US"/>
+              <a:rPr lang="en-US" smtClean="0"/>
               <a:t>Third level</a:t>
             </a:r>
           </a:p>
           <a:p>
             <a:pPr lvl="3"/>
             <a:r>
-              <a:rPr lang="en-US"/>
+              <a:rPr lang="en-US" smtClean="0"/>
               <a:t>Fourth level</a:t>
             </a:r>
           </a:p>
           <a:p>
             <a:pPr lvl="4"/>
             <a:r>
-              <a:rPr lang="en-US"/>
+              <a:rPr lang="en-US" smtClean="0"/>
               <a:t>Fifth level</a:t>
             </a:r>
+            <a:endParaRPr lang="en-US"/>
           </a:p>
         </p:txBody>
       </p:sp>
@@ -1669,7 +1680,7 @@
           <a:p>
             <a:fld id="{84C3D210-5214-43E7-8E4B-0BD91EAD03A4}" type="datetime1">
               <a:rPr lang="en-US" smtClean="0"/>
-              <a:t>1/23/2017</a:t>
+              <a:t>1/26/2016</a:t>
             </a:fld>
             <a:endParaRPr lang="en-US"/>
           </a:p>
@@ -1772,9 +1783,10 @@
           </a:lstStyle>
           <a:p>
             <a:r>
-              <a:rPr lang="en-US"/>
+              <a:rPr lang="en-US" smtClean="0"/>
               <a:t>Click to edit Master title style</a:t>
             </a:r>
+            <a:endParaRPr lang="en-US"/>
           </a:p>
         </p:txBody>
       </p:sp>
@@ -1891,7 +1903,7 @@
           <a:p>
             <a:pPr lvl="0"/>
             <a:r>
-              <a:rPr lang="en-US"/>
+              <a:rPr lang="en-US" smtClean="0"/>
               <a:t>Click to edit Master text styles</a:t>
             </a:r>
           </a:p>
@@ -1914,7 +1926,7 @@
           <a:p>
             <a:fld id="{CABE04C8-2FA4-426D-90FA-3147AA463E81}" type="datetime1">
               <a:rPr lang="en-US" smtClean="0"/>
-              <a:t>1/23/2017</a:t>
+              <a:t>1/26/2016</a:t>
             </a:fld>
             <a:endParaRPr lang="en-US"/>
           </a:p>
@@ -2008,9 +2020,10 @@
           <a:lstStyle/>
           <a:p>
             <a:r>
-              <a:rPr lang="en-US"/>
+              <a:rPr lang="en-US" smtClean="0"/>
               <a:t>Click to edit Master title style</a:t>
             </a:r>
+            <a:endParaRPr lang="en-US"/>
           </a:p>
         </p:txBody>
       </p:sp>
@@ -2064,37 +2077,38 @@
           <a:p>
             <a:pPr lvl="0"/>
             <a:r>
-              <a:rPr lang="en-US"/>
+              <a:rPr lang="en-US" smtClean="0"/>
               <a:t>Click to edit Master text styles</a:t>
             </a:r>
           </a:p>
           <a:p>
             <a:pPr lvl="1"/>
             <a:r>
-              <a:rPr lang="en-US"/>
+              <a:rPr lang="en-US" smtClean="0"/>
               <a:t>Second level</a:t>
             </a:r>
           </a:p>
           <a:p>
             <a:pPr lvl="2"/>
             <a:r>
-              <a:rPr lang="en-US"/>
+              <a:rPr lang="en-US" smtClean="0"/>
               <a:t>Third level</a:t>
             </a:r>
           </a:p>
           <a:p>
             <a:pPr lvl="3"/>
             <a:r>
-              <a:rPr lang="en-US"/>
+              <a:rPr lang="en-US" smtClean="0"/>
               <a:t>Fourth level</a:t>
             </a:r>
           </a:p>
           <a:p>
             <a:pPr lvl="4"/>
             <a:r>
-              <a:rPr lang="en-US"/>
+              <a:rPr lang="en-US" smtClean="0"/>
               <a:t>Fifth level</a:t>
             </a:r>
+            <a:endParaRPr lang="en-US"/>
           </a:p>
         </p:txBody>
       </p:sp>
@@ -2148,37 +2162,38 @@
           <a:p>
             <a:pPr lvl="0"/>
             <a:r>
-              <a:rPr lang="en-US"/>
+              <a:rPr lang="en-US" smtClean="0"/>
               <a:t>Click to edit Master text styles</a:t>
             </a:r>
           </a:p>
           <a:p>
             <a:pPr lvl="1"/>
             <a:r>
-              <a:rPr lang="en-US"/>
+              <a:rPr lang="en-US" smtClean="0"/>
               <a:t>Second level</a:t>
             </a:r>
           </a:p>
           <a:p>
             <a:pPr lvl="2"/>
             <a:r>
-              <a:rPr lang="en-US"/>
+              <a:rPr lang="en-US" smtClean="0"/>
               <a:t>Third level</a:t>
             </a:r>
           </a:p>
           <a:p>
             <a:pPr lvl="3"/>
             <a:r>
-              <a:rPr lang="en-US"/>
+              <a:rPr lang="en-US" smtClean="0"/>
               <a:t>Fourth level</a:t>
             </a:r>
           </a:p>
           <a:p>
             <a:pPr lvl="4"/>
             <a:r>
-              <a:rPr lang="en-US"/>
+              <a:rPr lang="en-US" smtClean="0"/>
               <a:t>Fifth level</a:t>
             </a:r>
+            <a:endParaRPr lang="en-US"/>
           </a:p>
         </p:txBody>
       </p:sp>
@@ -2199,7 +2214,7 @@
           <a:p>
             <a:fld id="{16C6764C-CF34-401D-86AA-8E9442BA2BC5}" type="datetime1">
               <a:rPr lang="en-US" smtClean="0"/>
-              <a:t>1/23/2017</a:t>
+              <a:t>1/26/2016</a:t>
             </a:fld>
             <a:endParaRPr lang="en-US"/>
           </a:p>
@@ -2297,9 +2312,10 @@
           </a:lstStyle>
           <a:p>
             <a:r>
-              <a:rPr lang="en-US"/>
+              <a:rPr lang="en-US" smtClean="0"/>
               <a:t>Click to edit Master title style</a:t>
             </a:r>
+            <a:endParaRPr lang="en-US"/>
           </a:p>
         </p:txBody>
       </p:sp>
@@ -2362,7 +2378,7 @@
           <a:p>
             <a:pPr lvl="0"/>
             <a:r>
-              <a:rPr lang="en-US"/>
+              <a:rPr lang="en-US" smtClean="0"/>
               <a:t>Click to edit Master text styles</a:t>
             </a:r>
           </a:p>
@@ -2418,37 +2434,38 @@
           <a:p>
             <a:pPr lvl="0"/>
             <a:r>
-              <a:rPr lang="en-US"/>
+              <a:rPr lang="en-US" smtClean="0"/>
               <a:t>Click to edit Master text styles</a:t>
             </a:r>
           </a:p>
           <a:p>
             <a:pPr lvl="1"/>
             <a:r>
-              <a:rPr lang="en-US"/>
+              <a:rPr lang="en-US" smtClean="0"/>
               <a:t>Second level</a:t>
             </a:r>
           </a:p>
           <a:p>
             <a:pPr lvl="2"/>
             <a:r>
-              <a:rPr lang="en-US"/>
+              <a:rPr lang="en-US" smtClean="0"/>
               <a:t>Third level</a:t>
             </a:r>
           </a:p>
           <a:p>
             <a:pPr lvl="3"/>
             <a:r>
-              <a:rPr lang="en-US"/>
+              <a:rPr lang="en-US" smtClean="0"/>
               <a:t>Fourth level</a:t>
             </a:r>
           </a:p>
           <a:p>
             <a:pPr lvl="4"/>
             <a:r>
-              <a:rPr lang="en-US"/>
+              <a:rPr lang="en-US" smtClean="0"/>
               <a:t>Fifth level</a:t>
             </a:r>
+            <a:endParaRPr lang="en-US"/>
           </a:p>
         </p:txBody>
       </p:sp>
@@ -2511,7 +2528,7 @@
           <a:p>
             <a:pPr lvl="0"/>
             <a:r>
-              <a:rPr lang="en-US"/>
+              <a:rPr lang="en-US" smtClean="0"/>
               <a:t>Click to edit Master text styles</a:t>
             </a:r>
           </a:p>
@@ -2567,37 +2584,38 @@
           <a:p>
             <a:pPr lvl="0"/>
             <a:r>
-              <a:rPr lang="en-US"/>
+              <a:rPr lang="en-US" smtClean="0"/>
               <a:t>Click to edit Master text styles</a:t>
             </a:r>
           </a:p>
           <a:p>
             <a:pPr lvl="1"/>
             <a:r>
-              <a:rPr lang="en-US"/>
+              <a:rPr lang="en-US" smtClean="0"/>
               <a:t>Second level</a:t>
             </a:r>
           </a:p>
           <a:p>
             <a:pPr lvl="2"/>
             <a:r>
-              <a:rPr lang="en-US"/>
+              <a:rPr lang="en-US" smtClean="0"/>
               <a:t>Third level</a:t>
             </a:r>
           </a:p>
           <a:p>
             <a:pPr lvl="3"/>
             <a:r>
-              <a:rPr lang="en-US"/>
+              <a:rPr lang="en-US" smtClean="0"/>
               <a:t>Fourth level</a:t>
             </a:r>
           </a:p>
           <a:p>
             <a:pPr lvl="4"/>
             <a:r>
-              <a:rPr lang="en-US"/>
+              <a:rPr lang="en-US" smtClean="0"/>
               <a:t>Fifth level</a:t>
             </a:r>
+            <a:endParaRPr lang="en-US"/>
           </a:p>
         </p:txBody>
       </p:sp>
@@ -2618,7 +2636,7 @@
           <a:p>
             <a:fld id="{7A6304A5-3728-4433-A75D-59FC32371DB6}" type="datetime1">
               <a:rPr lang="en-US" smtClean="0"/>
-              <a:t>1/23/2017</a:t>
+              <a:t>1/26/2016</a:t>
             </a:fld>
             <a:endParaRPr lang="en-US"/>
           </a:p>
@@ -2712,9 +2730,10 @@
           <a:lstStyle/>
           <a:p>
             <a:r>
-              <a:rPr lang="en-US"/>
+              <a:rPr lang="en-US" smtClean="0"/>
               <a:t>Click to edit Master title style</a:t>
             </a:r>
+            <a:endParaRPr lang="en-US"/>
           </a:p>
         </p:txBody>
       </p:sp>
@@ -2735,7 +2754,7 @@
           <a:p>
             <a:fld id="{ECEC8789-70ED-426B-B532-587D6FE3BE94}" type="datetime1">
               <a:rPr lang="en-US" smtClean="0"/>
-              <a:t>1/23/2017</a:t>
+              <a:t>1/26/2016</a:t>
             </a:fld>
             <a:endParaRPr lang="en-US"/>
           </a:p>
@@ -2830,7 +2849,7 @@
           <a:p>
             <a:fld id="{8BC900E6-7C7F-42EC-9A9D-A635DE0275A7}" type="datetime1">
               <a:rPr lang="en-US" smtClean="0"/>
-              <a:t>1/23/2017</a:t>
+              <a:t>1/26/2016</a:t>
             </a:fld>
             <a:endParaRPr lang="en-US"/>
           </a:p>
@@ -2933,9 +2952,10 @@
           </a:lstStyle>
           <a:p>
             <a:r>
-              <a:rPr lang="en-US"/>
+              <a:rPr lang="en-US" smtClean="0"/>
               <a:t>Click to edit Master title style</a:t>
             </a:r>
+            <a:endParaRPr lang="en-US"/>
           </a:p>
         </p:txBody>
       </p:sp>
@@ -2989,37 +3009,38 @@
           <a:p>
             <a:pPr lvl="0"/>
             <a:r>
-              <a:rPr lang="en-US"/>
+              <a:rPr lang="en-US" smtClean="0"/>
               <a:t>Click to edit Master text styles</a:t>
             </a:r>
           </a:p>
           <a:p>
             <a:pPr lvl="1"/>
             <a:r>
-              <a:rPr lang="en-US"/>
+              <a:rPr lang="en-US" smtClean="0"/>
               <a:t>Second level</a:t>
             </a:r>
           </a:p>
           <a:p>
             <a:pPr lvl="2"/>
             <a:r>
-              <a:rPr lang="en-US"/>
+              <a:rPr lang="en-US" smtClean="0"/>
               <a:t>Third level</a:t>
             </a:r>
           </a:p>
           <a:p>
             <a:pPr lvl="3"/>
             <a:r>
-              <a:rPr lang="en-US"/>
+              <a:rPr lang="en-US" smtClean="0"/>
               <a:t>Fourth level</a:t>
             </a:r>
           </a:p>
           <a:p>
             <a:pPr lvl="4"/>
             <a:r>
-              <a:rPr lang="en-US"/>
+              <a:rPr lang="en-US" smtClean="0"/>
               <a:t>Fifth level</a:t>
             </a:r>
+            <a:endParaRPr lang="en-US"/>
           </a:p>
         </p:txBody>
       </p:sp>
@@ -3082,7 +3103,7 @@
           <a:p>
             <a:pPr lvl="0"/>
             <a:r>
-              <a:rPr lang="en-US"/>
+              <a:rPr lang="en-US" smtClean="0"/>
               <a:t>Click to edit Master text styles</a:t>
             </a:r>
           </a:p>
@@ -3105,7 +3126,7 @@
           <a:p>
             <a:fld id="{49B6DA3E-3C8E-4D5C-8441-630DBE174E8D}" type="datetime1">
               <a:rPr lang="en-US" smtClean="0"/>
-              <a:t>1/23/2017</a:t>
+              <a:t>1/26/2016</a:t>
             </a:fld>
             <a:endParaRPr lang="en-US"/>
           </a:p>
@@ -3199,9 +3220,10 @@
           <a:lstStyle/>
           <a:p>
             <a:r>
-              <a:rPr lang="en-US"/>
+              <a:rPr lang="en-US" smtClean="0"/>
               <a:t>Click to edit Master title style</a:t>
             </a:r>
+            <a:endParaRPr lang="en-US"/>
           </a:p>
         </p:txBody>
       </p:sp>
@@ -3222,37 +3244,38 @@
           <a:p>
             <a:pPr lvl="0"/>
             <a:r>
-              <a:rPr lang="en-US"/>
+              <a:rPr lang="en-US" smtClean="0"/>
               <a:t>Click to edit Master text styles</a:t>
             </a:r>
           </a:p>
           <a:p>
             <a:pPr lvl="1"/>
             <a:r>
-              <a:rPr lang="en-US"/>
+              <a:rPr lang="en-US" smtClean="0"/>
               <a:t>Second level</a:t>
             </a:r>
           </a:p>
           <a:p>
             <a:pPr lvl="2"/>
             <a:r>
-              <a:rPr lang="en-US"/>
+              <a:rPr lang="en-US" smtClean="0"/>
               <a:t>Third level</a:t>
             </a:r>
           </a:p>
           <a:p>
             <a:pPr lvl="3"/>
             <a:r>
-              <a:rPr lang="en-US"/>
+              <a:rPr lang="en-US" smtClean="0"/>
               <a:t>Fourth level</a:t>
             </a:r>
           </a:p>
           <a:p>
             <a:pPr lvl="4"/>
             <a:r>
-              <a:rPr lang="en-US"/>
+              <a:rPr lang="en-US" smtClean="0"/>
               <a:t>Fifth level</a:t>
             </a:r>
+            <a:endParaRPr lang="en-US"/>
           </a:p>
         </p:txBody>
       </p:sp>
@@ -3273,7 +3296,7 @@
           <a:p>
             <a:fld id="{841E30D6-B7D9-43E8-B216-0FAF86DD2559}" type="datetime1">
               <a:rPr lang="en-US" smtClean="0"/>
-              <a:t>1/23/2017</a:t>
+              <a:t>1/26/2016</a:t>
             </a:fld>
             <a:endParaRPr lang="en-US"/>
           </a:p>
@@ -3376,9 +3399,10 @@
           </a:lstStyle>
           <a:p>
             <a:r>
-              <a:rPr lang="en-US"/>
+              <a:rPr lang="en-US" smtClean="0"/>
               <a:t>Click to edit Master title style</a:t>
             </a:r>
+            <a:endParaRPr lang="en-US"/>
           </a:p>
         </p:txBody>
       </p:sp>
@@ -3502,7 +3526,7 @@
           <a:p>
             <a:pPr lvl="0"/>
             <a:r>
-              <a:rPr lang="en-US"/>
+              <a:rPr lang="en-US" smtClean="0"/>
               <a:t>Click to edit Master text styles</a:t>
             </a:r>
           </a:p>
@@ -3525,7 +3549,7 @@
           <a:p>
             <a:fld id="{F97EC72C-BC15-4474-A9FE-7CD8CD567FE0}" type="datetime1">
               <a:rPr lang="en-US" smtClean="0"/>
-              <a:t>1/23/2017</a:t>
+              <a:t>1/26/2016</a:t>
             </a:fld>
             <a:endParaRPr lang="en-US"/>
           </a:p>
@@ -3619,9 +3643,10 @@
           <a:lstStyle/>
           <a:p>
             <a:r>
-              <a:rPr lang="en-US"/>
+              <a:rPr lang="en-US" smtClean="0"/>
               <a:t>Click to edit Master title style</a:t>
             </a:r>
+            <a:endParaRPr lang="en-US"/>
           </a:p>
         </p:txBody>
       </p:sp>
@@ -3642,37 +3667,38 @@
           <a:p>
             <a:pPr lvl="0"/>
             <a:r>
-              <a:rPr lang="en-US"/>
+              <a:rPr lang="en-US" smtClean="0"/>
               <a:t>Click to edit Master text styles</a:t>
             </a:r>
           </a:p>
           <a:p>
             <a:pPr lvl="1"/>
             <a:r>
-              <a:rPr lang="en-US"/>
+              <a:rPr lang="en-US" smtClean="0"/>
               <a:t>Second level</a:t>
             </a:r>
           </a:p>
           <a:p>
             <a:pPr lvl="2"/>
             <a:r>
-              <a:rPr lang="en-US"/>
+              <a:rPr lang="en-US" smtClean="0"/>
               <a:t>Third level</a:t>
             </a:r>
           </a:p>
           <a:p>
             <a:pPr lvl="3"/>
             <a:r>
-              <a:rPr lang="en-US"/>
+              <a:rPr lang="en-US" smtClean="0"/>
               <a:t>Fourth level</a:t>
             </a:r>
           </a:p>
           <a:p>
             <a:pPr lvl="4"/>
             <a:r>
-              <a:rPr lang="en-US"/>
+              <a:rPr lang="en-US" smtClean="0"/>
               <a:t>Fifth level</a:t>
             </a:r>
+            <a:endParaRPr lang="en-US"/>
           </a:p>
         </p:txBody>
       </p:sp>
@@ -3693,7 +3719,7 @@
           <a:p>
             <a:fld id="{7A5C7CC7-A7C7-44A2-A763-681A3139D55C}" type="datetime1">
               <a:rPr lang="en-US" smtClean="0"/>
-              <a:t>1/23/2017</a:t>
+              <a:t>1/26/2016</a:t>
             </a:fld>
             <a:endParaRPr lang="en-US"/>
           </a:p>
@@ -3792,9 +3818,10 @@
           <a:lstStyle/>
           <a:p>
             <a:r>
-              <a:rPr lang="en-US"/>
+              <a:rPr lang="en-US" smtClean="0"/>
               <a:t>Click to edit Master title style</a:t>
             </a:r>
+            <a:endParaRPr lang="en-US"/>
           </a:p>
         </p:txBody>
       </p:sp>
@@ -3820,37 +3847,38 @@
           <a:p>
             <a:pPr lvl="0"/>
             <a:r>
-              <a:rPr lang="en-US"/>
+              <a:rPr lang="en-US" smtClean="0"/>
               <a:t>Click to edit Master text styles</a:t>
             </a:r>
           </a:p>
           <a:p>
             <a:pPr lvl="1"/>
             <a:r>
-              <a:rPr lang="en-US"/>
+              <a:rPr lang="en-US" smtClean="0"/>
               <a:t>Second level</a:t>
             </a:r>
           </a:p>
           <a:p>
             <a:pPr lvl="2"/>
             <a:r>
-              <a:rPr lang="en-US"/>
+              <a:rPr lang="en-US" smtClean="0"/>
               <a:t>Third level</a:t>
             </a:r>
           </a:p>
           <a:p>
             <a:pPr lvl="3"/>
             <a:r>
-              <a:rPr lang="en-US"/>
+              <a:rPr lang="en-US" smtClean="0"/>
               <a:t>Fourth level</a:t>
             </a:r>
           </a:p>
           <a:p>
             <a:pPr lvl="4"/>
             <a:r>
-              <a:rPr lang="en-US"/>
+              <a:rPr lang="en-US" smtClean="0"/>
               <a:t>Fifth level</a:t>
             </a:r>
+            <a:endParaRPr lang="en-US"/>
           </a:p>
         </p:txBody>
       </p:sp>
@@ -3871,7 +3899,7 @@
           <a:p>
             <a:fld id="{E8587F4F-5FAD-4F4C-AFC6-D917D1614028}" type="datetime1">
               <a:rPr lang="en-US" smtClean="0"/>
-              <a:t>1/23/2017</a:t>
+              <a:t>1/26/2016</a:t>
             </a:fld>
             <a:endParaRPr lang="en-US"/>
           </a:p>
@@ -3978,9 +4006,10 @@
           <a:lstStyle/>
           <a:p>
             <a:r>
-              <a:rPr lang="en-US"/>
+              <a:rPr lang="en-US" smtClean="0"/>
               <a:t>Click to edit Master title style</a:t>
             </a:r>
+            <a:endParaRPr lang="en-US"/>
           </a:p>
         </p:txBody>
       </p:sp>
@@ -4096,9 +4125,10 @@
           </a:lstStyle>
           <a:p>
             <a:r>
-              <a:rPr lang="en-US"/>
+              <a:rPr lang="en-US" smtClean="0"/>
               <a:t>Click to edit Master subtitle style</a:t>
             </a:r>
+            <a:endParaRPr lang="en-US"/>
           </a:p>
         </p:txBody>
       </p:sp>
@@ -4119,7 +4149,7 @@
           <a:p>
             <a:fld id="{A03A44E6-E8D4-49E9-90E3-CACB6DAAD05B}" type="datetime1">
               <a:rPr lang="en-US" smtClean="0"/>
-              <a:t>1/23/2017</a:t>
+              <a:t>1/26/2016</a:t>
             </a:fld>
             <a:endParaRPr lang="en-US"/>
           </a:p>
@@ -4221,9 +4251,10 @@
           <a:lstStyle/>
           <a:p>
             <a:r>
-              <a:rPr lang="en-US"/>
+              <a:rPr lang="en-US" smtClean="0"/>
               <a:t>Click to edit Master title style</a:t>
             </a:r>
+            <a:endParaRPr lang="en-US"/>
           </a:p>
         </p:txBody>
       </p:sp>
@@ -4244,37 +4275,38 @@
           <a:p>
             <a:pPr lvl="0"/>
             <a:r>
-              <a:rPr lang="en-US"/>
+              <a:rPr lang="en-US" smtClean="0"/>
               <a:t>Click to edit Master text styles</a:t>
             </a:r>
           </a:p>
           <a:p>
             <a:pPr lvl="1"/>
             <a:r>
-              <a:rPr lang="en-US"/>
+              <a:rPr lang="en-US" smtClean="0"/>
               <a:t>Second level</a:t>
             </a:r>
           </a:p>
           <a:p>
             <a:pPr lvl="2"/>
             <a:r>
-              <a:rPr lang="en-US"/>
+              <a:rPr lang="en-US" smtClean="0"/>
               <a:t>Third level</a:t>
             </a:r>
           </a:p>
           <a:p>
             <a:pPr lvl="3"/>
             <a:r>
-              <a:rPr lang="en-US"/>
+              <a:rPr lang="en-US" smtClean="0"/>
               <a:t>Fourth level</a:t>
             </a:r>
           </a:p>
           <a:p>
             <a:pPr lvl="4"/>
             <a:r>
-              <a:rPr lang="en-US"/>
+              <a:rPr lang="en-US" smtClean="0"/>
               <a:t>Fifth level</a:t>
             </a:r>
+            <a:endParaRPr lang="en-US"/>
           </a:p>
         </p:txBody>
       </p:sp>
@@ -4295,7 +4327,7 @@
           <a:p>
             <a:fld id="{32DBB816-C144-476E-951D-DEB86EEDC065}" type="datetime1">
               <a:rPr lang="en-US" smtClean="0"/>
-              <a:t>1/23/2017</a:t>
+              <a:t>1/26/2016</a:t>
             </a:fld>
             <a:endParaRPr lang="en-US"/>
           </a:p>
@@ -4406,9 +4438,10 @@
           </a:lstStyle>
           <a:p>
             <a:r>
-              <a:rPr lang="en-US"/>
+              <a:rPr lang="en-US" smtClean="0"/>
               <a:t>Click to edit Master title style</a:t>
             </a:r>
+            <a:endParaRPr lang="en-US"/>
           </a:p>
         </p:txBody>
       </p:sp>
@@ -4525,7 +4558,7 @@
           <a:p>
             <a:pPr lvl="0"/>
             <a:r>
-              <a:rPr lang="en-US"/>
+              <a:rPr lang="en-US" smtClean="0"/>
               <a:t>Click to edit Master text styles</a:t>
             </a:r>
           </a:p>
@@ -4548,7 +4581,7 @@
           <a:p>
             <a:fld id="{65D3BB8F-F6A8-4BB5-A7E1-80E720C01870}" type="datetime1">
               <a:rPr lang="en-US" smtClean="0"/>
-              <a:t>1/23/2017</a:t>
+              <a:t>1/26/2016</a:t>
             </a:fld>
             <a:endParaRPr lang="en-US"/>
           </a:p>
@@ -4650,9 +4683,10 @@
           <a:lstStyle/>
           <a:p>
             <a:r>
-              <a:rPr lang="en-US"/>
+              <a:rPr lang="en-US" smtClean="0"/>
               <a:t>Click to edit Master title style</a:t>
             </a:r>
+            <a:endParaRPr lang="en-US"/>
           </a:p>
         </p:txBody>
       </p:sp>
@@ -4706,37 +4740,38 @@
           <a:p>
             <a:pPr lvl="0"/>
             <a:r>
-              <a:rPr lang="en-US"/>
+              <a:rPr lang="en-US" smtClean="0"/>
               <a:t>Click to edit Master text styles</a:t>
             </a:r>
           </a:p>
           <a:p>
             <a:pPr lvl="1"/>
             <a:r>
-              <a:rPr lang="en-US"/>
+              <a:rPr lang="en-US" smtClean="0"/>
               <a:t>Second level</a:t>
             </a:r>
           </a:p>
           <a:p>
             <a:pPr lvl="2"/>
             <a:r>
-              <a:rPr lang="en-US"/>
+              <a:rPr lang="en-US" smtClean="0"/>
               <a:t>Third level</a:t>
             </a:r>
           </a:p>
           <a:p>
             <a:pPr lvl="3"/>
             <a:r>
-              <a:rPr lang="en-US"/>
+              <a:rPr lang="en-US" smtClean="0"/>
               <a:t>Fourth level</a:t>
             </a:r>
           </a:p>
           <a:p>
             <a:pPr lvl="4"/>
             <a:r>
-              <a:rPr lang="en-US"/>
+              <a:rPr lang="en-US" smtClean="0"/>
               <a:t>Fifth level</a:t>
             </a:r>
+            <a:endParaRPr lang="en-US"/>
           </a:p>
         </p:txBody>
       </p:sp>
@@ -4790,37 +4825,38 @@
           <a:p>
             <a:pPr lvl="0"/>
             <a:r>
-              <a:rPr lang="en-US"/>
+              <a:rPr lang="en-US" smtClean="0"/>
               <a:t>Click to edit Master text styles</a:t>
             </a:r>
           </a:p>
           <a:p>
             <a:pPr lvl="1"/>
             <a:r>
-              <a:rPr lang="en-US"/>
+              <a:rPr lang="en-US" smtClean="0"/>
               <a:t>Second level</a:t>
             </a:r>
           </a:p>
           <a:p>
             <a:pPr lvl="2"/>
             <a:r>
-              <a:rPr lang="en-US"/>
+              <a:rPr lang="en-US" smtClean="0"/>
               <a:t>Third level</a:t>
             </a:r>
           </a:p>
           <a:p>
             <a:pPr lvl="3"/>
             <a:r>
-              <a:rPr lang="en-US"/>
+              <a:rPr lang="en-US" smtClean="0"/>
               <a:t>Fourth level</a:t>
             </a:r>
           </a:p>
           <a:p>
             <a:pPr lvl="4"/>
             <a:r>
-              <a:rPr lang="en-US"/>
+              <a:rPr lang="en-US" smtClean="0"/>
               <a:t>Fifth level</a:t>
             </a:r>
+            <a:endParaRPr lang="en-US"/>
           </a:p>
         </p:txBody>
       </p:sp>
@@ -4841,7 +4877,7 @@
           <a:p>
             <a:fld id="{4A608807-CF6D-4535-941D-9CD5EC0CF299}" type="datetime1">
               <a:rPr lang="en-US" smtClean="0"/>
-              <a:t>1/23/2017</a:t>
+              <a:t>1/26/2016</a:t>
             </a:fld>
             <a:endParaRPr lang="en-US"/>
           </a:p>
@@ -4947,9 +4983,10 @@
           </a:lstStyle>
           <a:p>
             <a:r>
-              <a:rPr lang="en-US"/>
+              <a:rPr lang="en-US" smtClean="0"/>
               <a:t>Click to edit Master title style</a:t>
             </a:r>
+            <a:endParaRPr lang="en-US"/>
           </a:p>
         </p:txBody>
       </p:sp>
@@ -5012,7 +5049,7 @@
           <a:p>
             <a:pPr lvl="0"/>
             <a:r>
-              <a:rPr lang="en-US"/>
+              <a:rPr lang="en-US" smtClean="0"/>
               <a:t>Click to edit Master text styles</a:t>
             </a:r>
           </a:p>
@@ -5068,37 +5105,38 @@
           <a:p>
             <a:pPr lvl="0"/>
             <a:r>
-              <a:rPr lang="en-US"/>
+              <a:rPr lang="en-US" smtClean="0"/>
               <a:t>Click to edit Master text styles</a:t>
             </a:r>
           </a:p>
           <a:p>
             <a:pPr lvl="1"/>
             <a:r>
-              <a:rPr lang="en-US"/>
+              <a:rPr lang="en-US" smtClean="0"/>
               <a:t>Second level</a:t>
             </a:r>
           </a:p>
           <a:p>
             <a:pPr lvl="2"/>
             <a:r>
-              <a:rPr lang="en-US"/>
+              <a:rPr lang="en-US" smtClean="0"/>
               <a:t>Third level</a:t>
             </a:r>
           </a:p>
           <a:p>
             <a:pPr lvl="3"/>
             <a:r>
-              <a:rPr lang="en-US"/>
+              <a:rPr lang="en-US" smtClean="0"/>
               <a:t>Fourth level</a:t>
             </a:r>
           </a:p>
           <a:p>
             <a:pPr lvl="4"/>
             <a:r>
-              <a:rPr lang="en-US"/>
+              <a:rPr lang="en-US" smtClean="0"/>
               <a:t>Fifth level</a:t>
             </a:r>
+            <a:endParaRPr lang="en-US"/>
           </a:p>
         </p:txBody>
       </p:sp>
@@ -5161,7 +5199,7 @@
           <a:p>
             <a:pPr lvl="0"/>
             <a:r>
-              <a:rPr lang="en-US"/>
+              <a:rPr lang="en-US" smtClean="0"/>
               <a:t>Click to edit Master text styles</a:t>
             </a:r>
           </a:p>
@@ -5217,37 +5255,38 @@
           <a:p>
             <a:pPr lvl="0"/>
             <a:r>
-              <a:rPr lang="en-US"/>
+              <a:rPr lang="en-US" smtClean="0"/>
               <a:t>Click to edit Master text styles</a:t>
             </a:r>
           </a:p>
           <a:p>
             <a:pPr lvl="1"/>
             <a:r>
-              <a:rPr lang="en-US"/>
+              <a:rPr lang="en-US" smtClean="0"/>
               <a:t>Second level</a:t>
             </a:r>
           </a:p>
           <a:p>
             <a:pPr lvl="2"/>
             <a:r>
-              <a:rPr lang="en-US"/>
+              <a:rPr lang="en-US" smtClean="0"/>
               <a:t>Third level</a:t>
             </a:r>
           </a:p>
           <a:p>
             <a:pPr lvl="3"/>
             <a:r>
-              <a:rPr lang="en-US"/>
+              <a:rPr lang="en-US" smtClean="0"/>
               <a:t>Fourth level</a:t>
             </a:r>
           </a:p>
           <a:p>
             <a:pPr lvl="4"/>
             <a:r>
-              <a:rPr lang="en-US"/>
+              <a:rPr lang="en-US" smtClean="0"/>
               <a:t>Fifth level</a:t>
             </a:r>
+            <a:endParaRPr lang="en-US"/>
           </a:p>
         </p:txBody>
       </p:sp>
@@ -5268,7 +5307,7 @@
           <a:p>
             <a:fld id="{16B0049A-7B25-4151-A386-BF3C23675314}" type="datetime1">
               <a:rPr lang="en-US" smtClean="0"/>
-              <a:t>1/23/2017</a:t>
+              <a:t>1/26/2016</a:t>
             </a:fld>
             <a:endParaRPr lang="en-US"/>
           </a:p>
@@ -5370,9 +5409,10 @@
           <a:lstStyle/>
           <a:p>
             <a:r>
-              <a:rPr lang="en-US"/>
+              <a:rPr lang="en-US" smtClean="0"/>
               <a:t>Click to edit Master title style</a:t>
             </a:r>
+            <a:endParaRPr lang="en-US"/>
           </a:p>
         </p:txBody>
       </p:sp>
@@ -5393,7 +5433,7 @@
           <a:p>
             <a:fld id="{4669EECD-01E4-4572-8BD0-2717E3AC353F}" type="datetime1">
               <a:rPr lang="en-US" smtClean="0"/>
-              <a:t>1/23/2017</a:t>
+              <a:t>1/26/2016</a:t>
             </a:fld>
             <a:endParaRPr lang="en-US"/>
           </a:p>
@@ -5496,7 +5536,7 @@
           <a:p>
             <a:fld id="{FBF63299-772A-4EF5-BD70-5AE6174D1B6C}" type="datetime1">
               <a:rPr lang="en-US" smtClean="0"/>
-              <a:t>1/23/2017</a:t>
+              <a:t>1/26/2016</a:t>
             </a:fld>
             <a:endParaRPr lang="en-US"/>
           </a:p>
@@ -5599,9 +5639,10 @@
           </a:lstStyle>
           <a:p>
             <a:r>
-              <a:rPr lang="en-US"/>
+              <a:rPr lang="en-US" smtClean="0"/>
               <a:t>Click to edit Master title style</a:t>
             </a:r>
+            <a:endParaRPr lang="en-US"/>
           </a:p>
         </p:txBody>
       </p:sp>
@@ -5718,7 +5759,7 @@
           <a:p>
             <a:pPr lvl="0"/>
             <a:r>
-              <a:rPr lang="en-US"/>
+              <a:rPr lang="en-US" smtClean="0"/>
               <a:t>Click to edit Master text styles</a:t>
             </a:r>
           </a:p>
@@ -5741,7 +5782,7 @@
           <a:p>
             <a:fld id="{14C3D302-F44D-4C48-9AB4-E66C7AAD59FC}" type="datetime1">
               <a:rPr lang="en-US" smtClean="0"/>
-              <a:t>1/23/2017</a:t>
+              <a:t>1/26/2016</a:t>
             </a:fld>
             <a:endParaRPr lang="en-US"/>
           </a:p>
@@ -5852,9 +5893,10 @@
           </a:lstStyle>
           <a:p>
             <a:r>
-              <a:rPr lang="en-US"/>
+              <a:rPr lang="en-US" smtClean="0"/>
               <a:t>Click to edit Master title style</a:t>
             </a:r>
+            <a:endParaRPr lang="en-US"/>
           </a:p>
         </p:txBody>
       </p:sp>
@@ -5908,37 +5950,38 @@
           <a:p>
             <a:pPr lvl="0"/>
             <a:r>
-              <a:rPr lang="en-US"/>
+              <a:rPr lang="en-US" smtClean="0"/>
               <a:t>Click to edit Master text styles</a:t>
             </a:r>
           </a:p>
           <a:p>
             <a:pPr lvl="1"/>
             <a:r>
-              <a:rPr lang="en-US"/>
+              <a:rPr lang="en-US" smtClean="0"/>
               <a:t>Second level</a:t>
             </a:r>
           </a:p>
           <a:p>
             <a:pPr lvl="2"/>
             <a:r>
-              <a:rPr lang="en-US"/>
+              <a:rPr lang="en-US" smtClean="0"/>
               <a:t>Third level</a:t>
             </a:r>
           </a:p>
           <a:p>
             <a:pPr lvl="3"/>
             <a:r>
-              <a:rPr lang="en-US"/>
+              <a:rPr lang="en-US" smtClean="0"/>
               <a:t>Fourth level</a:t>
             </a:r>
           </a:p>
           <a:p>
             <a:pPr lvl="4"/>
             <a:r>
-              <a:rPr lang="en-US"/>
+              <a:rPr lang="en-US" smtClean="0"/>
               <a:t>Fifth level</a:t>
             </a:r>
+            <a:endParaRPr lang="en-US"/>
           </a:p>
         </p:txBody>
       </p:sp>
@@ -6001,7 +6044,7 @@
           <a:p>
             <a:pPr lvl="0"/>
             <a:r>
-              <a:rPr lang="en-US"/>
+              <a:rPr lang="en-US" smtClean="0"/>
               <a:t>Click to edit Master text styles</a:t>
             </a:r>
           </a:p>
@@ -6024,7 +6067,7 @@
           <a:p>
             <a:fld id="{BA37D725-F957-4CB0-95B7-2EACDECFF9EB}" type="datetime1">
               <a:rPr lang="en-US" smtClean="0"/>
-              <a:t>1/23/2017</a:t>
+              <a:t>1/26/2016</a:t>
             </a:fld>
             <a:endParaRPr lang="en-US"/>
           </a:p>
@@ -6135,9 +6178,10 @@
           </a:lstStyle>
           <a:p>
             <a:r>
-              <a:rPr lang="en-US"/>
+              <a:rPr lang="en-US" smtClean="0"/>
               <a:t>Click to edit Master title style</a:t>
             </a:r>
+            <a:endParaRPr lang="en-US"/>
           </a:p>
         </p:txBody>
       </p:sp>
@@ -6261,7 +6305,7 @@
           <a:p>
             <a:pPr lvl="0"/>
             <a:r>
-              <a:rPr lang="en-US"/>
+              <a:rPr lang="en-US" smtClean="0"/>
               <a:t>Click to edit Master text styles</a:t>
             </a:r>
           </a:p>
@@ -6284,7 +6328,7 @@
           <a:p>
             <a:fld id="{C3D550D7-A999-41A7-9C9D-0907FC814ADA}" type="datetime1">
               <a:rPr lang="en-US" smtClean="0"/>
-              <a:t>1/23/2017</a:t>
+              <a:t>1/26/2016</a:t>
             </a:fld>
             <a:endParaRPr lang="en-US"/>
           </a:p>
@@ -6386,9 +6430,10 @@
           <a:lstStyle/>
           <a:p>
             <a:r>
-              <a:rPr lang="en-US"/>
+              <a:rPr lang="en-US" smtClean="0"/>
               <a:t>Click to edit Master title style</a:t>
             </a:r>
+            <a:endParaRPr lang="en-US"/>
           </a:p>
         </p:txBody>
       </p:sp>
@@ -6409,37 +6454,38 @@
           <a:p>
             <a:pPr lvl="0"/>
             <a:r>
-              <a:rPr lang="en-US"/>
+              <a:rPr lang="en-US" smtClean="0"/>
               <a:t>Click to edit Master text styles</a:t>
             </a:r>
           </a:p>
           <a:p>
             <a:pPr lvl="1"/>
             <a:r>
-              <a:rPr lang="en-US"/>
+              <a:rPr lang="en-US" smtClean="0"/>
               <a:t>Second level</a:t>
             </a:r>
           </a:p>
           <a:p>
             <a:pPr lvl="2"/>
             <a:r>
-              <a:rPr lang="en-US"/>
+              <a:rPr lang="en-US" smtClean="0"/>
               <a:t>Third level</a:t>
             </a:r>
           </a:p>
           <a:p>
             <a:pPr lvl="3"/>
             <a:r>
-              <a:rPr lang="en-US"/>
+              <a:rPr lang="en-US" smtClean="0"/>
               <a:t>Fourth level</a:t>
             </a:r>
           </a:p>
           <a:p>
             <a:pPr lvl="4"/>
             <a:r>
-              <a:rPr lang="en-US"/>
+              <a:rPr lang="en-US" smtClean="0"/>
               <a:t>Fifth level</a:t>
             </a:r>
+            <a:endParaRPr lang="en-US"/>
           </a:p>
         </p:txBody>
       </p:sp>
@@ -6460,7 +6506,7 @@
           <a:p>
             <a:fld id="{94CBEF62-12B4-4E5F-BF0F-771E98D7289F}" type="datetime1">
               <a:rPr lang="en-US" smtClean="0"/>
-              <a:t>1/23/2017</a:t>
+              <a:t>1/26/2016</a:t>
             </a:fld>
             <a:endParaRPr lang="en-US"/>
           </a:p>
@@ -6567,9 +6613,10 @@
           <a:lstStyle/>
           <a:p>
             <a:r>
-              <a:rPr lang="en-US"/>
+              <a:rPr lang="en-US" smtClean="0"/>
               <a:t>Click to edit Master title style</a:t>
             </a:r>
+            <a:endParaRPr lang="en-US"/>
           </a:p>
         </p:txBody>
       </p:sp>
@@ -6595,37 +6642,38 @@
           <a:p>
             <a:pPr lvl="0"/>
             <a:r>
-              <a:rPr lang="en-US"/>
+              <a:rPr lang="en-US" smtClean="0"/>
               <a:t>Click to edit Master text styles</a:t>
             </a:r>
           </a:p>
           <a:p>
             <a:pPr lvl="1"/>
             <a:r>
-              <a:rPr lang="en-US"/>
+              <a:rPr lang="en-US" smtClean="0"/>
               <a:t>Second level</a:t>
             </a:r>
           </a:p>
           <a:p>
             <a:pPr lvl="2"/>
             <a:r>
-              <a:rPr lang="en-US"/>
+              <a:rPr lang="en-US" smtClean="0"/>
               <a:t>Third level</a:t>
             </a:r>
           </a:p>
           <a:p>
             <a:pPr lvl="3"/>
             <a:r>
-              <a:rPr lang="en-US"/>
+              <a:rPr lang="en-US" smtClean="0"/>
               <a:t>Fourth level</a:t>
             </a:r>
           </a:p>
           <a:p>
             <a:pPr lvl="4"/>
             <a:r>
-              <a:rPr lang="en-US"/>
+              <a:rPr lang="en-US" smtClean="0"/>
               <a:t>Fifth level</a:t>
             </a:r>
+            <a:endParaRPr lang="en-US"/>
           </a:p>
         </p:txBody>
       </p:sp>
@@ -6646,7 +6694,7 @@
           <a:p>
             <a:fld id="{BCA8447D-ABEA-40EB-B9FF-53F7381F0DEE}" type="datetime1">
               <a:rPr lang="en-US" smtClean="0"/>
-              <a:t>1/23/2017</a:t>
+              <a:t>1/26/2016</a:t>
             </a:fld>
             <a:endParaRPr lang="en-US"/>
           </a:p>
@@ -6740,9 +6788,10 @@
           <a:lstStyle/>
           <a:p>
             <a:r>
-              <a:rPr lang="en-US"/>
+              <a:rPr lang="en-US" smtClean="0"/>
               <a:t>Click to edit Master title style</a:t>
             </a:r>
+            <a:endParaRPr lang="en-US"/>
           </a:p>
         </p:txBody>
       </p:sp>
@@ -6796,37 +6845,38 @@
           <a:p>
             <a:pPr lvl="0"/>
             <a:r>
-              <a:rPr lang="en-US"/>
+              <a:rPr lang="en-US" smtClean="0"/>
               <a:t>Click to edit Master text styles</a:t>
             </a:r>
           </a:p>
           <a:p>
             <a:pPr lvl="1"/>
             <a:r>
-              <a:rPr lang="en-US"/>
+              <a:rPr lang="en-US" smtClean="0"/>
               <a:t>Second level</a:t>
             </a:r>
           </a:p>
           <a:p>
             <a:pPr lvl="2"/>
             <a:r>
-              <a:rPr lang="en-US"/>
+              <a:rPr lang="en-US" smtClean="0"/>
               <a:t>Third level</a:t>
             </a:r>
           </a:p>
           <a:p>
             <a:pPr lvl="3"/>
             <a:r>
-              <a:rPr lang="en-US"/>
+              <a:rPr lang="en-US" smtClean="0"/>
               <a:t>Fourth level</a:t>
             </a:r>
           </a:p>
           <a:p>
             <a:pPr lvl="4"/>
             <a:r>
-              <a:rPr lang="en-US"/>
+              <a:rPr lang="en-US" smtClean="0"/>
               <a:t>Fifth level</a:t>
             </a:r>
+            <a:endParaRPr lang="en-US"/>
           </a:p>
         </p:txBody>
       </p:sp>
@@ -6880,37 +6930,38 @@
           <a:p>
             <a:pPr lvl="0"/>
             <a:r>
-              <a:rPr lang="en-US"/>
+              <a:rPr lang="en-US" smtClean="0"/>
               <a:t>Click to edit Master text styles</a:t>
             </a:r>
           </a:p>
           <a:p>
             <a:pPr lvl="1"/>
             <a:r>
-              <a:rPr lang="en-US"/>
+              <a:rPr lang="en-US" smtClean="0"/>
               <a:t>Second level</a:t>
             </a:r>
           </a:p>
           <a:p>
             <a:pPr lvl="2"/>
             <a:r>
-              <a:rPr lang="en-US"/>
+              <a:rPr lang="en-US" smtClean="0"/>
               <a:t>Third level</a:t>
             </a:r>
           </a:p>
           <a:p>
             <a:pPr lvl="3"/>
             <a:r>
-              <a:rPr lang="en-US"/>
+              <a:rPr lang="en-US" smtClean="0"/>
               <a:t>Fourth level</a:t>
             </a:r>
           </a:p>
           <a:p>
             <a:pPr lvl="4"/>
             <a:r>
-              <a:rPr lang="en-US"/>
+              <a:rPr lang="en-US" smtClean="0"/>
               <a:t>Fifth level</a:t>
             </a:r>
+            <a:endParaRPr lang="en-US"/>
           </a:p>
         </p:txBody>
       </p:sp>
@@ -6931,7 +6982,7 @@
           <a:p>
             <a:fld id="{4B1E226B-FA54-4BDC-8201-19269D734AFD}" type="datetime1">
               <a:rPr lang="en-US" smtClean="0"/>
-              <a:t>1/23/2017</a:t>
+              <a:t>1/26/2016</a:t>
             </a:fld>
             <a:endParaRPr lang="en-US"/>
           </a:p>
@@ -7029,9 +7080,10 @@
           </a:lstStyle>
           <a:p>
             <a:r>
-              <a:rPr lang="en-US"/>
+              <a:rPr lang="en-US" smtClean="0"/>
               <a:t>Click to edit Master title style</a:t>
             </a:r>
+            <a:endParaRPr lang="en-US"/>
           </a:p>
         </p:txBody>
       </p:sp>
@@ -7094,7 +7146,7 @@
           <a:p>
             <a:pPr lvl="0"/>
             <a:r>
-              <a:rPr lang="en-US"/>
+              <a:rPr lang="en-US" smtClean="0"/>
               <a:t>Click to edit Master text styles</a:t>
             </a:r>
           </a:p>
@@ -7150,37 +7202,38 @@
           <a:p>
             <a:pPr lvl="0"/>
             <a:r>
-              <a:rPr lang="en-US"/>
+              <a:rPr lang="en-US" smtClean="0"/>
               <a:t>Click to edit Master text styles</a:t>
             </a:r>
           </a:p>
           <a:p>
             <a:pPr lvl="1"/>
             <a:r>
-              <a:rPr lang="en-US"/>
+              <a:rPr lang="en-US" smtClean="0"/>
               <a:t>Second level</a:t>
             </a:r>
           </a:p>
           <a:p>
             <a:pPr lvl="2"/>
             <a:r>
-              <a:rPr lang="en-US"/>
+              <a:rPr lang="en-US" smtClean="0"/>
               <a:t>Third level</a:t>
             </a:r>
           </a:p>
           <a:p>
             <a:pPr lvl="3"/>
             <a:r>
-              <a:rPr lang="en-US"/>
+              <a:rPr lang="en-US" smtClean="0"/>
               <a:t>Fourth level</a:t>
             </a:r>
           </a:p>
           <a:p>
             <a:pPr lvl="4"/>
             <a:r>
-              <a:rPr lang="en-US"/>
+              <a:rPr lang="en-US" smtClean="0"/>
               <a:t>Fifth level</a:t>
             </a:r>
+            <a:endParaRPr lang="en-US"/>
           </a:p>
         </p:txBody>
       </p:sp>
@@ -7243,7 +7296,7 @@
           <a:p>
             <a:pPr lvl="0"/>
             <a:r>
-              <a:rPr lang="en-US"/>
+              <a:rPr lang="en-US" smtClean="0"/>
               <a:t>Click to edit Master text styles</a:t>
             </a:r>
           </a:p>
@@ -7299,37 +7352,38 @@
           <a:p>
             <a:pPr lvl="0"/>
             <a:r>
-              <a:rPr lang="en-US"/>
+              <a:rPr lang="en-US" smtClean="0"/>
               <a:t>Click to edit Master text styles</a:t>
             </a:r>
           </a:p>
           <a:p>
             <a:pPr lvl="1"/>
             <a:r>
-              <a:rPr lang="en-US"/>
+              <a:rPr lang="en-US" smtClean="0"/>
               <a:t>Second level</a:t>
             </a:r>
           </a:p>
           <a:p>
             <a:pPr lvl="2"/>
             <a:r>
-              <a:rPr lang="en-US"/>
+              <a:rPr lang="en-US" smtClean="0"/>
               <a:t>Third level</a:t>
             </a:r>
           </a:p>
           <a:p>
             <a:pPr lvl="3"/>
             <a:r>
-              <a:rPr lang="en-US"/>
+              <a:rPr lang="en-US" smtClean="0"/>
               <a:t>Fourth level</a:t>
             </a:r>
           </a:p>
           <a:p>
             <a:pPr lvl="4"/>
             <a:r>
-              <a:rPr lang="en-US"/>
+              <a:rPr lang="en-US" smtClean="0"/>
               <a:t>Fifth level</a:t>
             </a:r>
+            <a:endParaRPr lang="en-US"/>
           </a:p>
         </p:txBody>
       </p:sp>
@@ -7350,7 +7404,7 @@
           <a:p>
             <a:fld id="{A48FD302-A4C5-460E-821E-F0758F7B09DB}" type="datetime1">
               <a:rPr lang="en-US" smtClean="0"/>
-              <a:t>1/23/2017</a:t>
+              <a:t>1/26/2016</a:t>
             </a:fld>
             <a:endParaRPr lang="en-US"/>
           </a:p>
@@ -7444,9 +7498,10 @@
           <a:lstStyle/>
           <a:p>
             <a:r>
-              <a:rPr lang="en-US"/>
+              <a:rPr lang="en-US" smtClean="0"/>
               <a:t>Click to edit Master title style</a:t>
             </a:r>
+            <a:endParaRPr lang="en-US"/>
           </a:p>
         </p:txBody>
       </p:sp>
@@ -7467,7 +7522,7 @@
           <a:p>
             <a:fld id="{64F717C0-D4DB-442B-8C0B-8E7BE0603337}" type="datetime1">
               <a:rPr lang="en-US" smtClean="0"/>
-              <a:t>1/23/2017</a:t>
+              <a:t>1/26/2016</a:t>
             </a:fld>
             <a:endParaRPr lang="en-US"/>
           </a:p>
@@ -7562,7 +7617,7 @@
           <a:p>
             <a:fld id="{63D346FC-DDDE-41B4-8118-AA4FFA556266}" type="datetime1">
               <a:rPr lang="en-US" smtClean="0"/>
-              <a:t>1/23/2017</a:t>
+              <a:t>1/26/2016</a:t>
             </a:fld>
             <a:endParaRPr lang="en-US"/>
           </a:p>
@@ -7665,9 +7720,10 @@
           </a:lstStyle>
           <a:p>
             <a:r>
-              <a:rPr lang="en-US"/>
+              <a:rPr lang="en-US" smtClean="0"/>
               <a:t>Click to edit Master title style</a:t>
             </a:r>
+            <a:endParaRPr lang="en-US"/>
           </a:p>
         </p:txBody>
       </p:sp>
@@ -7721,37 +7777,38 @@
           <a:p>
             <a:pPr lvl="0"/>
             <a:r>
-              <a:rPr lang="en-US"/>
+              <a:rPr lang="en-US" smtClean="0"/>
               <a:t>Click to edit Master text styles</a:t>
             </a:r>
           </a:p>
           <a:p>
             <a:pPr lvl="1"/>
             <a:r>
-              <a:rPr lang="en-US"/>
+              <a:rPr lang="en-US" smtClean="0"/>
               <a:t>Second level</a:t>
             </a:r>
           </a:p>
           <a:p>
             <a:pPr lvl="2"/>
             <a:r>
-              <a:rPr lang="en-US"/>
+              <a:rPr lang="en-US" smtClean="0"/>
               <a:t>Third level</a:t>
             </a:r>
           </a:p>
           <a:p>
             <a:pPr lvl="3"/>
             <a:r>
-              <a:rPr lang="en-US"/>
+              <a:rPr lang="en-US" smtClean="0"/>
               <a:t>Fourth level</a:t>
             </a:r>
           </a:p>
           <a:p>
             <a:pPr lvl="4"/>
             <a:r>
-              <a:rPr lang="en-US"/>
+              <a:rPr lang="en-US" smtClean="0"/>
               <a:t>Fifth level</a:t>
             </a:r>
+            <a:endParaRPr lang="en-US"/>
           </a:p>
         </p:txBody>
       </p:sp>
@@ -7814,7 +7871,7 @@
           <a:p>
             <a:pPr lvl="0"/>
             <a:r>
-              <a:rPr lang="en-US"/>
+              <a:rPr lang="en-US" smtClean="0"/>
               <a:t>Click to edit Master text styles</a:t>
             </a:r>
           </a:p>
@@ -7837,7 +7894,7 @@
           <a:p>
             <a:fld id="{ADB0AC3C-FFED-4EAE-A34D-B9688C9307A5}" type="datetime1">
               <a:rPr lang="en-US" smtClean="0"/>
-              <a:t>1/23/2017</a:t>
+              <a:t>1/26/2016</a:t>
             </a:fld>
             <a:endParaRPr lang="en-US"/>
           </a:p>
@@ -7940,9 +7997,10 @@
           </a:lstStyle>
           <a:p>
             <a:r>
-              <a:rPr lang="en-US"/>
+              <a:rPr lang="en-US" smtClean="0"/>
               <a:t>Click to edit Master title style</a:t>
             </a:r>
+            <a:endParaRPr lang="en-US"/>
           </a:p>
         </p:txBody>
       </p:sp>
@@ -8066,7 +8124,7 @@
           <a:p>
             <a:pPr lvl="0"/>
             <a:r>
-              <a:rPr lang="en-US"/>
+              <a:rPr lang="en-US" smtClean="0"/>
               <a:t>Click to edit Master text styles</a:t>
             </a:r>
           </a:p>
@@ -8089,7 +8147,7 @@
           <a:p>
             <a:fld id="{D7BB1A1F-54B4-4384-8791-9183BFC3954E}" type="datetime1">
               <a:rPr lang="en-US" smtClean="0"/>
-              <a:t>1/23/2017</a:t>
+              <a:t>1/26/2016</a:t>
             </a:fld>
             <a:endParaRPr lang="en-US"/>
           </a:p>
@@ -8198,9 +8256,10 @@
           <a:lstStyle/>
           <a:p>
             <a:r>
-              <a:rPr lang="en-US"/>
+              <a:rPr lang="en-US" smtClean="0"/>
               <a:t>Click to edit Master title style</a:t>
             </a:r>
+            <a:endParaRPr lang="en-US"/>
           </a:p>
         </p:txBody>
       </p:sp>
@@ -8231,37 +8290,38 @@
           <a:p>
             <a:pPr lvl="0"/>
             <a:r>
-              <a:rPr lang="en-US"/>
+              <a:rPr lang="en-US" smtClean="0"/>
               <a:t>Click to edit Master text styles</a:t>
             </a:r>
           </a:p>
           <a:p>
             <a:pPr lvl="1"/>
             <a:r>
-              <a:rPr lang="en-US"/>
+              <a:rPr lang="en-US" smtClean="0"/>
               <a:t>Second level</a:t>
             </a:r>
           </a:p>
           <a:p>
             <a:pPr lvl="2"/>
             <a:r>
-              <a:rPr lang="en-US"/>
+              <a:rPr lang="en-US" smtClean="0"/>
               <a:t>Third level</a:t>
             </a:r>
           </a:p>
           <a:p>
             <a:pPr lvl="3"/>
             <a:r>
-              <a:rPr lang="en-US"/>
+              <a:rPr lang="en-US" smtClean="0"/>
               <a:t>Fourth level</a:t>
             </a:r>
           </a:p>
           <a:p>
             <a:pPr lvl="4"/>
             <a:r>
-              <a:rPr lang="en-US"/>
+              <a:rPr lang="en-US" smtClean="0"/>
               <a:t>Fifth level</a:t>
             </a:r>
+            <a:endParaRPr lang="en-US"/>
           </a:p>
         </p:txBody>
       </p:sp>
@@ -8300,7 +8360,7 @@
           <a:p>
             <a:fld id="{4FF4215C-EF9E-4499-8028-3F6D416200A1}" type="datetime1">
               <a:rPr lang="en-US" smtClean="0"/>
-              <a:t>1/23/2017</a:t>
+              <a:t>1/26/2016</a:t>
             </a:fld>
             <a:endParaRPr lang="en-US"/>
           </a:p>
@@ -8712,9 +8772,10 @@
           <a:lstStyle/>
           <a:p>
             <a:r>
-              <a:rPr lang="en-US"/>
+              <a:rPr lang="en-US" smtClean="0"/>
               <a:t>Click to edit Master title style</a:t>
             </a:r>
+            <a:endParaRPr lang="en-US"/>
           </a:p>
         </p:txBody>
       </p:sp>
@@ -8745,37 +8806,38 @@
           <a:p>
             <a:pPr lvl="0"/>
             <a:r>
-              <a:rPr lang="en-US"/>
+              <a:rPr lang="en-US" smtClean="0"/>
               <a:t>Click to edit Master text styles</a:t>
             </a:r>
           </a:p>
           <a:p>
             <a:pPr lvl="1"/>
             <a:r>
-              <a:rPr lang="en-US"/>
+              <a:rPr lang="en-US" smtClean="0"/>
               <a:t>Second level</a:t>
             </a:r>
           </a:p>
           <a:p>
             <a:pPr lvl="2"/>
             <a:r>
-              <a:rPr lang="en-US"/>
+              <a:rPr lang="en-US" smtClean="0"/>
               <a:t>Third level</a:t>
             </a:r>
           </a:p>
           <a:p>
             <a:pPr lvl="3"/>
             <a:r>
-              <a:rPr lang="en-US"/>
+              <a:rPr lang="en-US" smtClean="0"/>
               <a:t>Fourth level</a:t>
             </a:r>
           </a:p>
           <a:p>
             <a:pPr lvl="4"/>
             <a:r>
-              <a:rPr lang="en-US"/>
+              <a:rPr lang="en-US" smtClean="0"/>
               <a:t>Fifth level</a:t>
             </a:r>
+            <a:endParaRPr lang="en-US"/>
           </a:p>
         </p:txBody>
       </p:sp>
@@ -8814,7 +8876,7 @@
           <a:p>
             <a:fld id="{A4E079AD-47BF-4602-90E1-6DFC049A5484}" type="datetime1">
               <a:rPr lang="en-US" smtClean="0"/>
-              <a:t>1/23/2017</a:t>
+              <a:t>1/26/2016</a:t>
             </a:fld>
             <a:endParaRPr lang="en-US"/>
           </a:p>
@@ -9224,9 +9286,10 @@
           <a:lstStyle/>
           <a:p>
             <a:r>
-              <a:rPr lang="en-US" dirty="0"/>
+              <a:rPr lang="en-US" dirty="0" smtClean="0"/>
               <a:t>Click to edit Master title style</a:t>
             </a:r>
+            <a:endParaRPr lang="en-US" dirty="0"/>
           </a:p>
         </p:txBody>
       </p:sp>
@@ -9257,37 +9320,38 @@
           <a:p>
             <a:pPr lvl="0"/>
             <a:r>
-              <a:rPr lang="en-US"/>
+              <a:rPr lang="en-US" smtClean="0"/>
               <a:t>Click to edit Master text styles</a:t>
             </a:r>
           </a:p>
           <a:p>
             <a:pPr lvl="1"/>
             <a:r>
-              <a:rPr lang="en-US"/>
+              <a:rPr lang="en-US" smtClean="0"/>
               <a:t>Second level</a:t>
             </a:r>
           </a:p>
           <a:p>
             <a:pPr lvl="2"/>
             <a:r>
-              <a:rPr lang="en-US"/>
+              <a:rPr lang="en-US" smtClean="0"/>
               <a:t>Third level</a:t>
             </a:r>
           </a:p>
           <a:p>
             <a:pPr lvl="3"/>
             <a:r>
-              <a:rPr lang="en-US"/>
+              <a:rPr lang="en-US" smtClean="0"/>
               <a:t>Fourth level</a:t>
             </a:r>
           </a:p>
           <a:p>
             <a:pPr lvl="4"/>
             <a:r>
-              <a:rPr lang="en-US"/>
+              <a:rPr lang="en-US" smtClean="0"/>
               <a:t>Fifth level</a:t>
             </a:r>
+            <a:endParaRPr lang="en-US"/>
           </a:p>
         </p:txBody>
       </p:sp>
@@ -9326,7 +9390,7 @@
           <a:p>
             <a:fld id="{C3A25FC6-4A5B-4D03-B6E2-74CEF1309020}" type="datetime1">
               <a:rPr lang="en-US" smtClean="0"/>
-              <a:t>1/23/2017</a:t>
+              <a:t>1/26/2016</a:t>
             </a:fld>
             <a:endParaRPr lang="en-US"/>
           </a:p>
@@ -9728,7 +9792,7 @@
           <a:p>
             <a:pPr algn="ctr"/>
             <a:r>
-              <a:rPr lang="en-SG" b="1">
+              <a:rPr lang="en-SG" b="1" smtClean="0">
                 <a:solidFill>
                   <a:srgbClr val="FFFF00"/>
                 </a:solidFill>
@@ -9739,13 +9803,18 @@
           <a:p>
             <a:pPr algn="ctr"/>
             <a:r>
-              <a:rPr lang="en-SG">
+              <a:rPr lang="en-SG" smtClean="0">
                 <a:solidFill>
                   <a:srgbClr val="FFFFFF"/>
                 </a:solidFill>
               </a:rPr>
               <a:t>Adjust the design of this slide and click the 'Sync Agenda' (in Agenda Lab) to replicate the design in the other slides.</a:t>
             </a:r>
+            <a:endParaRPr lang="en-SG">
+              <a:solidFill>
+                <a:srgbClr val="FFFFFF"/>
+              </a:solidFill>
+            </a:endParaRPr>
           </a:p>
         </p:txBody>
       </p:sp>
@@ -9765,9 +9834,10 @@
           <a:lstStyle/>
           <a:p>
             <a:r>
-              <a:rPr lang="en-SG"/>
+              <a:rPr lang="en-SG" smtClean="0"/>
               <a:t>Agenda</a:t>
             </a:r>
+            <a:endParaRPr lang="en-SG"/>
           </a:p>
         </p:txBody>
       </p:sp>
@@ -9901,6 +9971,14 @@
   <p:clrMapOvr>
     <a:masterClrMapping/>
   </p:clrMapOvr>
+  <mc:AlternateContent xmlns:mc="http://schemas.openxmlformats.org/markup-compatibility/2006">
+    <mc:Choice xmlns:p14="http://schemas.microsoft.com/office/powerpoint/2010/main" Requires="p14">
+      <p:transition spd="slow" p14:dur="2000"/>
+    </mc:Choice>
+    <mc:Fallback>
+      <p:transition spd="slow"/>
+    </mc:Fallback>
+  </mc:AlternateContent>
   <p:timing>
     <p:tnLst>
       <p:par>
@@ -10063,6 +10141,13 @@
   <p:clrMapOvr>
     <a:masterClrMapping/>
   </p:clrMapOvr>
+  <p:timing>
+    <p:tnLst>
+      <p:par>
+        <p:cTn id="1" dur="indefinite" restart="never" nodeType="tmRoot"/>
+      </p:par>
+    </p:tnLst>
+  </p:timing>
 </p:sld>
 </file>
 
@@ -10195,11 +10280,11 @@
   <p:clrMapOvr>
     <a:masterClrMapping/>
   </p:clrMapOvr>
-  <mc:AlternateContent xmlns:mc="http://schemas.openxmlformats.org/markup-compatibility/2006" xmlns:p14="http://schemas.microsoft.com/office/powerpoint/2010/main">
-    <mc:Choice Requires="p14">
+  <mc:AlternateContent xmlns:mc="http://schemas.openxmlformats.org/markup-compatibility/2006">
+    <mc:Choice xmlns:p14="http://schemas.microsoft.com/office/powerpoint/2010/main" Requires="p14">
       <p:transition spd="slow" p14:dur="2000" advClick="0" advTm="0"/>
     </mc:Choice>
-    <mc:Fallback xmlns="">
+    <mc:Fallback>
       <p:transition spd="slow" advClick="0" advTm="0"/>
     </mc:Fallback>
   </mc:AlternateContent>
@@ -10718,13 +10803,13 @@
   <p:clrMapOvr>
     <a:masterClrMapping/>
   </p:clrMapOvr>
-  <mc:AlternateContent xmlns:mc="http://schemas.openxmlformats.org/markup-compatibility/2006" xmlns:p14="http://schemas.microsoft.com/office/powerpoint/2010/main">
-    <mc:Choice Requires="p14">
+  <mc:AlternateContent xmlns:mc="http://schemas.openxmlformats.org/markup-compatibility/2006">
+    <mc:Choice xmlns:p14="http://schemas.microsoft.com/office/powerpoint/2010/main" Requires="p14">
       <p:transition p14:dur="250">
         <p:fade/>
       </p:transition>
     </mc:Choice>
-    <mc:Fallback xmlns="">
+    <mc:Fallback>
       <p:transition>
         <p:fade/>
       </p:transition>
@@ -10975,11 +11060,11 @@
   <p:clrMapOvr>
     <a:masterClrMapping/>
   </p:clrMapOvr>
-  <mc:AlternateContent xmlns:mc="http://schemas.openxmlformats.org/markup-compatibility/2006" xmlns:p14="http://schemas.microsoft.com/office/powerpoint/2010/main">
-    <mc:Choice Requires="p14">
+  <mc:AlternateContent xmlns:mc="http://schemas.openxmlformats.org/markup-compatibility/2006">
+    <mc:Choice xmlns:p14="http://schemas.microsoft.com/office/powerpoint/2010/main" Requires="p14">
       <p:transition p14:dur="250" advClick="0" advTm="0"/>
     </mc:Choice>
-    <mc:Fallback xmlns="">
+    <mc:Fallback>
       <p:transition advClick="0" advTm="0"/>
     </mc:Fallback>
   </mc:AlternateContent>
@@ -11397,9 +11482,10 @@
           </a:lstStyle>
           <a:p>
             <a:r>
-              <a:rPr lang="en-US" dirty="0"/>
+              <a:rPr lang="en-US" dirty="0" smtClean="0"/>
               <a:t>Pattern</a:t>
             </a:r>
+            <a:endParaRPr lang="en-US" dirty="0"/>
           </a:p>
         </p:txBody>
       </p:sp>
@@ -11436,18 +11522,25 @@
   <p:clrMapOvr>
     <a:masterClrMapping/>
   </p:clrMapOvr>
-  <mc:AlternateContent xmlns:mc="http://schemas.openxmlformats.org/markup-compatibility/2006" xmlns:p14="http://schemas.microsoft.com/office/powerpoint/2010/main">
-    <mc:Choice Requires="p14">
+  <mc:AlternateContent xmlns:mc="http://schemas.openxmlformats.org/markup-compatibility/2006">
+    <mc:Choice xmlns:p14="http://schemas.microsoft.com/office/powerpoint/2010/main" Requires="p14">
       <p:transition p14:dur="250">
         <p:fade/>
       </p:transition>
     </mc:Choice>
-    <mc:Fallback xmlns="">
+    <mc:Fallback>
       <p:transition>
         <p:fade/>
       </p:transition>
     </mc:Fallback>
   </mc:AlternateContent>
+  <p:timing>
+    <p:tnLst>
+      <p:par>
+        <p:cTn id="1" dur="indefinite" restart="never" nodeType="tmRoot"/>
+      </p:par>
+    </p:tnLst>
+  </p:timing>
 </p:sld>
 </file>
 
@@ -11501,6 +11594,13 @@
   <p:clrMapOvr>
     <a:masterClrMapping/>
   </p:clrMapOvr>
+  <p:timing>
+    <p:tnLst>
+      <p:par>
+        <p:cTn id="1" dur="indefinite" restart="never" nodeType="tmRoot"/>
+      </p:par>
+    </p:tnLst>
+  </p:timing>
 </p:sld>
 </file>
 
@@ -11633,11 +11733,11 @@
   <p:clrMapOvr>
     <a:masterClrMapping/>
   </p:clrMapOvr>
-  <mc:AlternateContent xmlns:mc="http://schemas.openxmlformats.org/markup-compatibility/2006" xmlns:p14="http://schemas.microsoft.com/office/powerpoint/2010/main">
-    <mc:Choice Requires="p14">
+  <mc:AlternateContent xmlns:mc="http://schemas.openxmlformats.org/markup-compatibility/2006">
+    <mc:Choice xmlns:p14="http://schemas.microsoft.com/office/powerpoint/2010/main" Requires="p14">
       <p:transition spd="slow" p14:dur="2000" advClick="0" advTm="0"/>
     </mc:Choice>
-    <mc:Fallback xmlns="">
+    <mc:Fallback>
       <p:transition spd="slow" advClick="0" advTm="0"/>
     </mc:Fallback>
   </mc:AlternateContent>
@@ -12156,13 +12256,13 @@
   <p:clrMapOvr>
     <a:masterClrMapping/>
   </p:clrMapOvr>
-  <mc:AlternateContent xmlns:mc="http://schemas.openxmlformats.org/markup-compatibility/2006" xmlns:p14="http://schemas.microsoft.com/office/powerpoint/2010/main">
-    <mc:Choice Requires="p14">
+  <mc:AlternateContent xmlns:mc="http://schemas.openxmlformats.org/markup-compatibility/2006">
+    <mc:Choice xmlns:p14="http://schemas.microsoft.com/office/powerpoint/2010/main" Requires="p14">
       <p:transition p14:dur="250">
         <p:fade/>
       </p:transition>
     </mc:Choice>
-    <mc:Fallback xmlns="">
+    <mc:Fallback>
       <p:transition>
         <p:fade/>
       </p:transition>
@@ -12413,11 +12513,11 @@
   <p:clrMapOvr>
     <a:masterClrMapping/>
   </p:clrMapOvr>
-  <mc:AlternateContent xmlns:mc="http://schemas.openxmlformats.org/markup-compatibility/2006" xmlns:p14="http://schemas.microsoft.com/office/powerpoint/2010/main">
-    <mc:Choice Requires="p14">
+  <mc:AlternateContent xmlns:mc="http://schemas.openxmlformats.org/markup-compatibility/2006">
+    <mc:Choice xmlns:p14="http://schemas.microsoft.com/office/powerpoint/2010/main" Requires="p14">
       <p:transition p14:dur="250" advClick="0" advTm="0"/>
     </mc:Choice>
-    <mc:Fallback xmlns="">
+    <mc:Fallback>
       <p:transition advClick="0" advTm="0"/>
     </mc:Fallback>
   </mc:AlternateContent>
@@ -12751,7 +12851,7 @@
           <a:lstStyle/>
           <a:p>
             <a:r>
-              <a:rPr lang="en-US" sz="6000" dirty="0"/>
+              <a:rPr lang="en-US" sz="6000" dirty="0" smtClean="0"/>
               <a:t>Test Image</a:t>
             </a:r>
             <a:endParaRPr lang="en-SG" sz="6000" dirty="0"/>
@@ -12791,18 +12891,25 @@
   <p:clrMapOvr>
     <a:masterClrMapping/>
   </p:clrMapOvr>
-  <mc:AlternateContent xmlns:mc="http://schemas.openxmlformats.org/markup-compatibility/2006" xmlns:p14="http://schemas.microsoft.com/office/powerpoint/2010/main">
-    <mc:Choice Requires="p14">
+  <mc:AlternateContent xmlns:mc="http://schemas.openxmlformats.org/markup-compatibility/2006">
+    <mc:Choice xmlns:p14="http://schemas.microsoft.com/office/powerpoint/2010/main" Requires="p14">
       <p:transition p14:dur="250">
         <p:fade/>
       </p:transition>
     </mc:Choice>
-    <mc:Fallback xmlns="">
+    <mc:Fallback>
       <p:transition>
         <p:fade/>
       </p:transition>
     </mc:Fallback>
   </mc:AlternateContent>
+  <p:timing>
+    <p:tnLst>
+      <p:par>
+        <p:cTn id="1" dur="indefinite" restart="never" nodeType="tmRoot"/>
+      </p:par>
+    </p:tnLst>
+  </p:timing>
 </p:sld>
 </file>
 
@@ -12841,7 +12948,7 @@
           <a:lstStyle/>
           <a:p>
             <a:r>
-              <a:rPr lang="en-US" sz="5400" b="1" dirty="0" err="1">
+              <a:rPr lang="en-US" sz="5400" b="1" dirty="0" err="1" smtClean="0">
                 <a:solidFill>
                   <a:schemeClr val="accent6">
                     <a:lumMod val="75000"/>
@@ -12851,7 +12958,7 @@
               <a:t>PowerPointLabs</a:t>
             </a:r>
             <a:r>
-              <a:rPr lang="en-US" sz="5400" b="1" dirty="0">
+              <a:rPr lang="en-US" sz="5400" b="1" dirty="0" smtClean="0">
                 <a:solidFill>
                   <a:schemeClr val="accent6">
                     <a:lumMod val="75000"/>
@@ -12889,42 +12996,95 @@
               <a:buNone/>
             </a:pPr>
             <a:r>
+              <a:rPr lang="en-US" b="1" dirty="0" smtClean="0">
+                <a:solidFill>
+                  <a:srgbClr val="0070C0"/>
+                </a:solidFill>
+              </a:rPr>
+              <a:t>General instructions:</a:t>
+            </a:r>
+          </a:p>
+          <a:p>
+            <a:pPr marL="285750" indent="-285750"/>
+            <a:r>
+              <a:rPr lang="en-US" b="1" dirty="0" smtClean="0">
+                <a:solidFill>
+                  <a:srgbClr val="0070C0"/>
+                </a:solidFill>
+              </a:rPr>
+              <a:t>DO </a:t>
+            </a:r>
+            <a:r>
               <a:rPr lang="en-US" b="1" dirty="0">
                 <a:solidFill>
                   <a:srgbClr val="0070C0"/>
                 </a:solidFill>
               </a:rPr>
-              <a:t>General instructions:</a:t>
-            </a:r>
-          </a:p>
-          <a:p>
-            <a:pPr marL="285750" indent="-285750"/>
-            <a:r>
-              <a:rPr lang="en-US" b="1" dirty="0">
+              <a:t>NOT SAVE </a:t>
+            </a:r>
+            <a:r>
+              <a:rPr lang="en-US" dirty="0" smtClean="0">
                 <a:solidFill>
                   <a:srgbClr val="0070C0"/>
                 </a:solidFill>
               </a:rPr>
-              <a:t>DO NOT SAVE </a:t>
-            </a:r>
+              <a:t>these slides after testing. Keep this file in its original form.</a:t>
+            </a:r>
+            <a:endParaRPr lang="en-US" dirty="0">
+              <a:solidFill>
+                <a:srgbClr val="0070C0"/>
+              </a:solidFill>
+            </a:endParaRPr>
+          </a:p>
+          <a:p>
+            <a:pPr marL="285750" indent="-285750"/>
             <a:r>
               <a:rPr lang="en-US" dirty="0">
                 <a:solidFill>
                   <a:srgbClr val="0070C0"/>
                 </a:solidFill>
               </a:rPr>
-              <a:t>these slides after testing. Keep this file in its original form.</a:t>
-            </a:r>
-          </a:p>
-          <a:p>
-            <a:pPr marL="285750" indent="-285750"/>
+              <a:t>If </a:t>
+            </a:r>
+            <a:r>
+              <a:rPr lang="en-US" dirty="0" smtClean="0">
+                <a:solidFill>
+                  <a:srgbClr val="0070C0"/>
+                </a:solidFill>
+              </a:rPr>
+              <a:t>your </a:t>
+            </a:r>
             <a:r>
               <a:rPr lang="en-US" dirty="0">
                 <a:solidFill>
                   <a:srgbClr val="0070C0"/>
                 </a:solidFill>
               </a:rPr>
-              <a:t>If your result is different from the expected output, please submit a bug report (attach slides/screenshots as necessary).</a:t>
+              <a:t>result </a:t>
+            </a:r>
+            <a:r>
+              <a:rPr lang="en-US" dirty="0" smtClean="0">
+                <a:solidFill>
+                  <a:srgbClr val="0070C0"/>
+                </a:solidFill>
+              </a:rPr>
+              <a:t>is different from the </a:t>
+            </a:r>
+            <a:r>
+              <a:rPr lang="en-US" dirty="0">
+                <a:solidFill>
+                  <a:srgbClr val="0070C0"/>
+                </a:solidFill>
+              </a:rPr>
+              <a:t>expected output, </a:t>
+            </a:r>
+            <a:r>
+              <a:rPr lang="en-US" dirty="0" smtClean="0">
+                <a:solidFill>
+                  <a:srgbClr val="0070C0"/>
+                </a:solidFill>
+              </a:rPr>
+              <a:t>please submit a bug report (attach slides/screenshots as necessary).</a:t>
             </a:r>
             <a:endParaRPr lang="en-SG" dirty="0">
               <a:solidFill>
@@ -12970,6 +13130,13 @@
   <p:clrMapOvr>
     <a:masterClrMapping/>
   </p:clrMapOvr>
+  <p:timing>
+    <p:tnLst>
+      <p:par>
+        <p:cTn id="1" dur="indefinite" restart="never" nodeType="tmRoot"/>
+      </p:par>
+    </p:tnLst>
+  </p:timing>
 </p:sld>
 </file>
 
@@ -13013,7 +13180,7 @@
           <a:lstStyle/>
           <a:p>
             <a:r>
-              <a:rPr lang="en-US" sz="6000" dirty="0"/>
+              <a:rPr lang="en-US" sz="6000" dirty="0" smtClean="0"/>
               <a:t>A long section</a:t>
             </a:r>
             <a:endParaRPr lang="en-SG" sz="6000" dirty="0"/>
@@ -13053,6 +13220,13 @@
   <p:clrMapOvr>
     <a:masterClrMapping/>
   </p:clrMapOvr>
+  <p:timing>
+    <p:tnLst>
+      <p:par>
+        <p:cTn id="1" dur="indefinite" restart="never" nodeType="tmRoot"/>
+      </p:par>
+    </p:tnLst>
+  </p:timing>
 </p:sld>
 </file>
 
@@ -13114,6 +13288,13 @@
   <p:clrMapOvr>
     <a:masterClrMapping/>
   </p:clrMapOvr>
+  <p:timing>
+    <p:tnLst>
+      <p:par>
+        <p:cTn id="1" dur="indefinite" restart="never" nodeType="tmRoot"/>
+      </p:par>
+    </p:tnLst>
+  </p:timing>
 </p:sld>
 </file>
 
@@ -13176,6 +13357,13 @@
   <p:clrMapOvr>
     <a:masterClrMapping/>
   </p:clrMapOvr>
+  <p:timing>
+    <p:tnLst>
+      <p:par>
+        <p:cTn id="1" dur="indefinite" restart="never" nodeType="tmRoot"/>
+      </p:par>
+    </p:tnLst>
+  </p:timing>
 </p:sld>
 </file>
 
@@ -13229,6 +13417,13 @@
   <p:clrMapOvr>
     <a:masterClrMapping/>
   </p:clrMapOvr>
+  <p:timing>
+    <p:tnLst>
+      <p:par>
+        <p:cTn id="1" dur="indefinite" restart="never" nodeType="tmRoot"/>
+      </p:par>
+    </p:tnLst>
+  </p:timing>
 </p:sld>
 </file>
 
@@ -13361,11 +13556,11 @@
   <p:clrMapOvr>
     <a:masterClrMapping/>
   </p:clrMapOvr>
-  <mc:AlternateContent xmlns:mc="http://schemas.openxmlformats.org/markup-compatibility/2006" xmlns:p14="http://schemas.microsoft.com/office/powerpoint/2010/main">
-    <mc:Choice Requires="p14">
+  <mc:AlternateContent xmlns:mc="http://schemas.openxmlformats.org/markup-compatibility/2006">
+    <mc:Choice xmlns:p14="http://schemas.microsoft.com/office/powerpoint/2010/main" Requires="p14">
       <p:transition spd="slow" p14:dur="2000" advClick="0" advTm="0"/>
     </mc:Choice>
-    <mc:Fallback xmlns="">
+    <mc:Fallback>
       <p:transition spd="slow" advClick="0" advTm="0"/>
     </mc:Fallback>
   </mc:AlternateContent>
@@ -13884,13 +14079,13 @@
   <p:clrMapOvr>
     <a:masterClrMapping/>
   </p:clrMapOvr>
-  <mc:AlternateContent xmlns:mc="http://schemas.openxmlformats.org/markup-compatibility/2006" xmlns:p14="http://schemas.microsoft.com/office/powerpoint/2010/main">
-    <mc:Choice Requires="p14">
+  <mc:AlternateContent xmlns:mc="http://schemas.openxmlformats.org/markup-compatibility/2006">
+    <mc:Choice xmlns:p14="http://schemas.microsoft.com/office/powerpoint/2010/main" Requires="p14">
       <p:transition p14:dur="250">
         <p:fade/>
       </p:transition>
     </mc:Choice>
-    <mc:Fallback xmlns="">
+    <mc:Fallback>
       <p:transition>
         <p:fade/>
       </p:transition>
@@ -14141,11 +14336,11 @@
   <p:clrMapOvr>
     <a:masterClrMapping/>
   </p:clrMapOvr>
-  <mc:AlternateContent xmlns:mc="http://schemas.openxmlformats.org/markup-compatibility/2006" xmlns:p14="http://schemas.microsoft.com/office/powerpoint/2010/main">
-    <mc:Choice Requires="p14">
+  <mc:AlternateContent xmlns:mc="http://schemas.openxmlformats.org/markup-compatibility/2006">
+    <mc:Choice xmlns:p14="http://schemas.microsoft.com/office/powerpoint/2010/main" Requires="p14">
       <p:transition p14:dur="250" advClick="0" advTm="0"/>
     </mc:Choice>
-    <mc:Fallback xmlns="">
+    <mc:Fallback>
       <p:transition advClick="0" advTm="0"/>
     </mc:Fallback>
   </mc:AlternateContent>
@@ -14467,18 +14662,25 @@
   <p:clrMapOvr>
     <a:masterClrMapping/>
   </p:clrMapOvr>
-  <mc:AlternateContent xmlns:mc="http://schemas.openxmlformats.org/markup-compatibility/2006" xmlns:p14="http://schemas.microsoft.com/office/powerpoint/2010/main">
-    <mc:Choice Requires="p14">
+  <mc:AlternateContent xmlns:mc="http://schemas.openxmlformats.org/markup-compatibility/2006">
+    <mc:Choice xmlns:p14="http://schemas.microsoft.com/office/powerpoint/2010/main" Requires="p14">
       <p:transition p14:dur="250">
         <p:fade/>
       </p:transition>
     </mc:Choice>
-    <mc:Fallback xmlns="">
+    <mc:Fallback>
       <p:transition>
         <p:fade/>
       </p:transition>
     </mc:Fallback>
   </mc:AlternateContent>
+  <p:timing>
+    <p:tnLst>
+      <p:par>
+        <p:cTn id="1" dur="indefinite" restart="never" nodeType="tmRoot"/>
+      </p:par>
+    </p:tnLst>
+  </p:timing>
 </p:sld>
 </file>
 
@@ -14619,11 +14821,11 @@
   <p:clrMapOvr>
     <a:masterClrMapping/>
   </p:clrMapOvr>
-  <mc:AlternateContent xmlns:mc="http://schemas.openxmlformats.org/markup-compatibility/2006" xmlns:p14="http://schemas.microsoft.com/office/powerpoint/2010/main">
-    <mc:Choice Requires="p14">
+  <mc:AlternateContent xmlns:mc="http://schemas.openxmlformats.org/markup-compatibility/2006">
+    <mc:Choice xmlns:p14="http://schemas.microsoft.com/office/powerpoint/2010/main" Requires="p14">
       <p:transition p14:dur="250" advClick="0" advTm="0"/>
     </mc:Choice>
-    <mc:Fallback xmlns="">
+    <mc:Fallback>
       <p:transition advClick="0" advTm="0"/>
     </mc:Fallback>
   </mc:AlternateContent>
@@ -15142,13 +15344,13 @@
   <p:clrMapOvr>
     <a:masterClrMapping/>
   </p:clrMapOvr>
-  <mc:AlternateContent xmlns:mc="http://schemas.openxmlformats.org/markup-compatibility/2006" xmlns:p14="http://schemas.microsoft.com/office/powerpoint/2010/main">
-    <mc:Choice Requires="p14">
+  <mc:AlternateContent xmlns:mc="http://schemas.openxmlformats.org/markup-compatibility/2006">
+    <mc:Choice xmlns:p14="http://schemas.microsoft.com/office/powerpoint/2010/main" Requires="p14">
       <p:transition p14:dur="250">
         <p:fade/>
       </p:transition>
     </mc:Choice>
-    <mc:Fallback xmlns="">
+    <mc:Fallback>
       <p:transition>
         <p:fade/>
       </p:transition>
@@ -15669,7 +15871,7 @@
         <p:nvPicPr>
           <p:cNvPr id="3" name="Picture 2"/>
           <p:cNvPicPr>
-            <a:picLocks noChangeAspect="1"/>
+            <a:picLocks/>
           </p:cNvPicPr>
           <p:nvPr/>
         </p:nvPicPr>
@@ -15687,8 +15889,8 @@
         </p:blipFill>
         <p:spPr>
           <a:xfrm>
-            <a:off x="0" y="1029202"/>
-            <a:ext cx="9144000" cy="4799596"/>
+            <a:off x="649224" y="992124"/>
+            <a:ext cx="7845552" cy="4873752"/>
           </a:xfrm>
           <a:prstGeom prst="rect">
             <a:avLst/>
@@ -15698,13 +15900,21 @@
     </p:spTree>
     <p:extLst>
       <p:ext uri="{BB962C8B-B14F-4D97-AF65-F5344CB8AC3E}">
-        <p14:creationId xmlns:p14="http://schemas.microsoft.com/office/powerpoint/2010/main" val="2932631522"/>
+        <p14:creationId xmlns:p14="http://schemas.microsoft.com/office/powerpoint/2010/main" val="4058737904"/>
       </p:ext>
     </p:extLst>
   </p:cSld>
   <p:clrMapOvr>
     <a:masterClrMapping/>
   </p:clrMapOvr>
+  <mc:AlternateContent xmlns:mc="http://schemas.openxmlformats.org/markup-compatibility/2006">
+    <mc:Choice xmlns:p14="http://schemas.microsoft.com/office/powerpoint/2010/main" Requires="p14">
+      <p:transition spd="slow" p14:dur="2000"/>
+    </mc:Choice>
+    <mc:Fallback>
+      <p:transition spd="slow"/>
+    </mc:Fallback>
+  </mc:AlternateContent>
 </p:sld>
 </file>
 
@@ -15845,11 +16055,11 @@
   <p:clrMapOvr>
     <a:masterClrMapping/>
   </p:clrMapOvr>
-  <mc:AlternateContent xmlns:mc="http://schemas.openxmlformats.org/markup-compatibility/2006" xmlns:p14="http://schemas.microsoft.com/office/powerpoint/2010/main">
-    <mc:Choice Requires="p14">
+  <mc:AlternateContent xmlns:mc="http://schemas.openxmlformats.org/markup-compatibility/2006">
+    <mc:Choice xmlns:p14="http://schemas.microsoft.com/office/powerpoint/2010/main" Requires="p14">
       <p:transition spd="slow" p14:dur="2000" advClick="0" advTm="0"/>
     </mc:Choice>
-    <mc:Fallback xmlns="">
+    <mc:Fallback>
       <p:transition spd="slow" advClick="0" advTm="0"/>
     </mc:Fallback>
   </mc:AlternateContent>
@@ -16164,7 +16374,7 @@
           <a:p>
             <a:pPr algn="l"/>
             <a:r>
-              <a:rPr lang="en-US" sz="7200" dirty="0">
+              <a:rPr lang="en-US" sz="7200" dirty="0" smtClean="0">
                 <a:solidFill>
                   <a:schemeClr val="bg1"/>
                 </a:solidFill>
@@ -16202,7 +16412,7 @@
           <a:lstStyle/>
           <a:p>
             <a:r>
-              <a:rPr lang="en-US" sz="2400" b="1" dirty="0">
+              <a:rPr lang="en-US" sz="2400" b="1" dirty="0" smtClean="0">
                 <a:solidFill>
                   <a:schemeClr val="bg1"/>
                 </a:solidFill>
@@ -16216,7 +16426,7 @@
               <a:buChar char="•"/>
             </a:pPr>
             <a:r>
-              <a:rPr lang="en-US" sz="2400" dirty="0">
+              <a:rPr lang="en-US" sz="2400" dirty="0" smtClean="0">
                 <a:solidFill>
                   <a:schemeClr val="bg1"/>
                 </a:solidFill>
@@ -16259,18 +16469,25 @@
   <p:clrMapOvr>
     <a:masterClrMapping/>
   </p:clrMapOvr>
-  <mc:AlternateContent xmlns:mc="http://schemas.openxmlformats.org/markup-compatibility/2006" xmlns:p14="http://schemas.microsoft.com/office/powerpoint/2010/main">
-    <mc:Choice Requires="p14">
+  <mc:AlternateContent xmlns:mc="http://schemas.openxmlformats.org/markup-compatibility/2006">
+    <mc:Choice xmlns:p14="http://schemas.microsoft.com/office/powerpoint/2010/main" Requires="p14">
       <p:transition p14:dur="250">
         <p:fade/>
       </p:transition>
     </mc:Choice>
-    <mc:Fallback xmlns="">
+    <mc:Fallback>
       <p:transition>
         <p:fade/>
       </p:transition>
     </mc:Fallback>
   </mc:AlternateContent>
+  <p:timing>
+    <p:tnLst>
+      <p:par>
+        <p:cTn id="1" dur="indefinite" restart="never" nodeType="tmRoot"/>
+      </p:par>
+    </p:tnLst>
+  </p:timing>
 </p:sld>
 </file>
 
@@ -16432,11 +16649,11 @@
   <p:clrMapOvr>
     <a:masterClrMapping/>
   </p:clrMapOvr>
-  <mc:AlternateContent xmlns:mc="http://schemas.openxmlformats.org/markup-compatibility/2006" xmlns:p14="http://schemas.microsoft.com/office/powerpoint/2010/main">
-    <mc:Choice Requires="p14">
+  <mc:AlternateContent xmlns:mc="http://schemas.openxmlformats.org/markup-compatibility/2006">
+    <mc:Choice xmlns:p14="http://schemas.microsoft.com/office/powerpoint/2010/main" Requires="p14">
       <p:transition p14:dur="250" advClick="0" advTm="0"/>
     </mc:Choice>
-    <mc:Fallback xmlns="">
+    <mc:Fallback>
       <p:transition advClick="0" advTm="0"/>
     </mc:Fallback>
   </mc:AlternateContent>
@@ -16955,13 +17172,13 @@
   <p:clrMapOvr>
     <a:masterClrMapping/>
   </p:clrMapOvr>
-  <mc:AlternateContent xmlns:mc="http://schemas.openxmlformats.org/markup-compatibility/2006" xmlns:p14="http://schemas.microsoft.com/office/powerpoint/2010/main">
-    <mc:Choice Requires="p14">
+  <mc:AlternateContent xmlns:mc="http://schemas.openxmlformats.org/markup-compatibility/2006">
+    <mc:Choice xmlns:p14="http://schemas.microsoft.com/office/powerpoint/2010/main" Requires="p14">
       <p:transition p14:dur="250">
         <p:fade/>
       </p:transition>
     </mc:Choice>
-    <mc:Fallback xmlns="">
+    <mc:Fallback>
       <p:transition>
         <p:fade/>
       </p:transition>
@@ -17212,11 +17429,11 @@
   <p:clrMapOvr>
     <a:masterClrMapping/>
   </p:clrMapOvr>
-  <mc:AlternateContent xmlns:mc="http://schemas.openxmlformats.org/markup-compatibility/2006" xmlns:p14="http://schemas.microsoft.com/office/powerpoint/2010/main">
-    <mc:Choice Requires="p14">
+  <mc:AlternateContent xmlns:mc="http://schemas.openxmlformats.org/markup-compatibility/2006">
+    <mc:Choice xmlns:p14="http://schemas.microsoft.com/office/powerpoint/2010/main" Requires="p14">
       <p:transition p14:dur="250" advClick="0" advTm="0"/>
     </mc:Choice>
-    <mc:Fallback xmlns="">
+    <mc:Fallback>
       <p:transition advClick="0" advTm="0"/>
     </mc:Fallback>
   </mc:AlternateContent>
@@ -17550,7 +17767,7 @@
           <a:lstStyle/>
           <a:p>
             <a:r>
-              <a:rPr lang="en-US" sz="6000" dirty="0"/>
+              <a:rPr lang="en-US" sz="6000" dirty="0" smtClean="0"/>
               <a:t>Test Image</a:t>
             </a:r>
             <a:endParaRPr lang="en-SG" sz="6000" dirty="0"/>
@@ -17590,18 +17807,25 @@
   <p:clrMapOvr>
     <a:masterClrMapping/>
   </p:clrMapOvr>
-  <mc:AlternateContent xmlns:mc="http://schemas.openxmlformats.org/markup-compatibility/2006" xmlns:p14="http://schemas.microsoft.com/office/powerpoint/2010/main">
-    <mc:Choice Requires="p14">
+  <mc:AlternateContent xmlns:mc="http://schemas.openxmlformats.org/markup-compatibility/2006">
+    <mc:Choice xmlns:p14="http://schemas.microsoft.com/office/powerpoint/2010/main" Requires="p14">
       <p:transition p14:dur="250">
         <p:fade/>
       </p:transition>
     </mc:Choice>
-    <mc:Fallback xmlns="">
+    <mc:Fallback>
       <p:transition>
         <p:fade/>
       </p:transition>
     </mc:Fallback>
   </mc:AlternateContent>
+  <p:timing>
+    <p:tnLst>
+      <p:par>
+        <p:cTn id="1" dur="indefinite" restart="never" nodeType="tmRoot"/>
+      </p:par>
+    </p:tnLst>
+  </p:timing>
 </p:sld>
 </file>
 
